--- a/files/13 how to interview candidates.pptx
+++ b/files/13 how to interview candidates.pptx
@@ -9,14 +9,14 @@
     <p:sldId id="269" r:id="rId3"/>
     <p:sldId id="266" r:id="rId4"/>
     <p:sldId id="257" r:id="rId5"/>
-    <p:sldId id="270" r:id="rId6"/>
-    <p:sldId id="258" r:id="rId7"/>
-    <p:sldId id="259" r:id="rId8"/>
-    <p:sldId id="260" r:id="rId9"/>
-    <p:sldId id="261" r:id="rId10"/>
-    <p:sldId id="262" r:id="rId11"/>
-    <p:sldId id="263" r:id="rId12"/>
-    <p:sldId id="264" r:id="rId13"/>
+    <p:sldId id="262" r:id="rId6"/>
+    <p:sldId id="260" r:id="rId7"/>
+    <p:sldId id="261" r:id="rId8"/>
+    <p:sldId id="264" r:id="rId9"/>
+    <p:sldId id="263" r:id="rId10"/>
+    <p:sldId id="270" r:id="rId11"/>
+    <p:sldId id="258" r:id="rId12"/>
+    <p:sldId id="259" r:id="rId13"/>
     <p:sldId id="265" r:id="rId14"/>
   </p:sldIdLst>
   <p:sldSz cx="12192000" cy="6858000"/>
@@ -147,6 +147,68 @@
 <file path=ppt/changesInfos/changesInfo1.xml><?xml version="1.0" encoding="utf-8"?>
 <pc:chgInfo xmlns:a="http://schemas.openxmlformats.org/drawingml/2006/main" xmlns:r="http://schemas.openxmlformats.org/officeDocument/2006/relationships" xmlns:ac="http://schemas.microsoft.com/office/drawing/2013/main/command" xmlns:pc="http://schemas.microsoft.com/office/powerpoint/2013/main/command">
   <pc:docChgLst>
+    <pc:chgData name="Steven Yackel" userId="4b0ae51a7568ddbd" providerId="LiveId" clId="{D298D0BD-8FC1-4E32-A5E4-4364DAA1CBE5}"/>
+    <pc:docChg chg="undo custSel addSld modSld">
+      <pc:chgData name="Steven Yackel" userId="4b0ae51a7568ddbd" providerId="LiveId" clId="{D298D0BD-8FC1-4E32-A5E4-4364DAA1CBE5}" dt="2021-04-13T23:40:37.756" v="910" actId="20577"/>
+      <pc:docMkLst>
+        <pc:docMk/>
+      </pc:docMkLst>
+      <pc:sldChg chg="modSp modAnim">
+        <pc:chgData name="Steven Yackel" userId="4b0ae51a7568ddbd" providerId="LiveId" clId="{D298D0BD-8FC1-4E32-A5E4-4364DAA1CBE5}" dt="2021-04-13T23:40:37.756" v="910" actId="20577"/>
+        <pc:sldMkLst>
+          <pc:docMk/>
+          <pc:sldMk cId="132945970" sldId="263"/>
+        </pc:sldMkLst>
+        <pc:spChg chg="mod">
+          <ac:chgData name="Steven Yackel" userId="4b0ae51a7568ddbd" providerId="LiveId" clId="{D298D0BD-8FC1-4E32-A5E4-4364DAA1CBE5}" dt="2021-04-13T23:40:37.756" v="910" actId="20577"/>
+          <ac:spMkLst>
+            <pc:docMk/>
+            <pc:sldMk cId="132945970" sldId="263"/>
+            <ac:spMk id="3" creationId="{C14AEA1F-6B6A-404E-B7C9-7E2A988F9629}"/>
+          </ac:spMkLst>
+        </pc:spChg>
+      </pc:sldChg>
+      <pc:sldChg chg="modSp modAnim">
+        <pc:chgData name="Steven Yackel" userId="4b0ae51a7568ddbd" providerId="LiveId" clId="{D298D0BD-8FC1-4E32-A5E4-4364DAA1CBE5}" dt="2021-04-13T23:06:34.864" v="58" actId="20577"/>
+        <pc:sldMkLst>
+          <pc:docMk/>
+          <pc:sldMk cId="1235979875" sldId="266"/>
+        </pc:sldMkLst>
+        <pc:spChg chg="mod">
+          <ac:chgData name="Steven Yackel" userId="4b0ae51a7568ddbd" providerId="LiveId" clId="{D298D0BD-8FC1-4E32-A5E4-4364DAA1CBE5}" dt="2021-04-13T23:06:34.864" v="58" actId="20577"/>
+          <ac:spMkLst>
+            <pc:docMk/>
+            <pc:sldMk cId="1235979875" sldId="266"/>
+            <ac:spMk id="5" creationId="{8AB02B6F-472D-430C-8588-926AC62195D6}"/>
+          </ac:spMkLst>
+        </pc:spChg>
+      </pc:sldChg>
+      <pc:sldChg chg="modSp new mod modAnim">
+        <pc:chgData name="Steven Yackel" userId="4b0ae51a7568ddbd" providerId="LiveId" clId="{D298D0BD-8FC1-4E32-A5E4-4364DAA1CBE5}" dt="2021-04-13T23:39:30.894" v="870" actId="20577"/>
+        <pc:sldMkLst>
+          <pc:docMk/>
+          <pc:sldMk cId="2965420737" sldId="270"/>
+        </pc:sldMkLst>
+        <pc:spChg chg="mod">
+          <ac:chgData name="Steven Yackel" userId="4b0ae51a7568ddbd" providerId="LiveId" clId="{D298D0BD-8FC1-4E32-A5E4-4364DAA1CBE5}" dt="2021-04-13T23:33:07.623" v="78" actId="20577"/>
+          <ac:spMkLst>
+            <pc:docMk/>
+            <pc:sldMk cId="2965420737" sldId="270"/>
+            <ac:spMk id="2" creationId="{25049A60-8C01-4EDA-962F-55F7506636E0}"/>
+          </ac:spMkLst>
+        </pc:spChg>
+        <pc:spChg chg="mod">
+          <ac:chgData name="Steven Yackel" userId="4b0ae51a7568ddbd" providerId="LiveId" clId="{D298D0BD-8FC1-4E32-A5E4-4364DAA1CBE5}" dt="2021-04-13T23:39:30.894" v="870" actId="20577"/>
+          <ac:spMkLst>
+            <pc:docMk/>
+            <pc:sldMk cId="2965420737" sldId="270"/>
+            <ac:spMk id="3" creationId="{2EF41252-DD66-425B-9913-6B97AD83AFD6}"/>
+          </ac:spMkLst>
+        </pc:spChg>
+      </pc:sldChg>
+    </pc:docChg>
+  </pc:docChgLst>
+  <pc:docChgLst>
     <pc:chgData name="Steven Yackel" userId="4b0ae51a7568ddbd" providerId="LiveId" clId="{AE02B5E3-6FDB-4CC3-BE6B-F8C1CB431AE4}"/>
     <pc:docChg chg="custSel addSld modSld">
       <pc:chgData name="Steven Yackel" userId="4b0ae51a7568ddbd" providerId="LiveId" clId="{AE02B5E3-6FDB-4CC3-BE6B-F8C1CB431AE4}" dt="2019-04-09T21:58:55.447" v="249" actId="20577"/>
@@ -210,62 +272,24 @@
     </pc:docChg>
   </pc:docChgLst>
   <pc:docChgLst>
-    <pc:chgData name="Steven Yackel" userId="4b0ae51a7568ddbd" providerId="LiveId" clId="{D298D0BD-8FC1-4E32-A5E4-4364DAA1CBE5}"/>
-    <pc:docChg chg="undo custSel addSld modSld">
-      <pc:chgData name="Steven Yackel" userId="4b0ae51a7568ddbd" providerId="LiveId" clId="{D298D0BD-8FC1-4E32-A5E4-4364DAA1CBE5}" dt="2021-04-13T23:40:37.756" v="910" actId="20577"/>
+    <pc:chgData name="Steven Yackel" userId="4b0ae51a7568ddbd" providerId="LiveId" clId="{01554833-969C-406A-B2F1-AD0D6D0F954C}"/>
+    <pc:docChg chg="undo modSld">
+      <pc:chgData name="Steven Yackel" userId="4b0ae51a7568ddbd" providerId="LiveId" clId="{01554833-969C-406A-B2F1-AD0D6D0F954C}" dt="2019-04-10T00:01:35.243" v="46" actId="1037"/>
       <pc:docMkLst>
         <pc:docMk/>
       </pc:docMkLst>
-      <pc:sldChg chg="modSp modAnim">
-        <pc:chgData name="Steven Yackel" userId="4b0ae51a7568ddbd" providerId="LiveId" clId="{D298D0BD-8FC1-4E32-A5E4-4364DAA1CBE5}" dt="2021-04-13T23:40:37.756" v="910" actId="20577"/>
+      <pc:sldChg chg="modSp">
+        <pc:chgData name="Steven Yackel" userId="4b0ae51a7568ddbd" providerId="LiveId" clId="{01554833-969C-406A-B2F1-AD0D6D0F954C}" dt="2019-04-10T00:01:35.243" v="46" actId="1037"/>
         <pc:sldMkLst>
           <pc:docMk/>
-          <pc:sldMk cId="132945970" sldId="263"/>
+          <pc:sldMk cId="796750258" sldId="256"/>
         </pc:sldMkLst>
         <pc:spChg chg="mod">
-          <ac:chgData name="Steven Yackel" userId="4b0ae51a7568ddbd" providerId="LiveId" clId="{D298D0BD-8FC1-4E32-A5E4-4364DAA1CBE5}" dt="2021-04-13T23:40:37.756" v="910" actId="20577"/>
+          <ac:chgData name="Steven Yackel" userId="4b0ae51a7568ddbd" providerId="LiveId" clId="{01554833-969C-406A-B2F1-AD0D6D0F954C}" dt="2019-04-10T00:01:35.243" v="46" actId="1037"/>
           <ac:spMkLst>
             <pc:docMk/>
-            <pc:sldMk cId="132945970" sldId="263"/>
-            <ac:spMk id="3" creationId="{C14AEA1F-6B6A-404E-B7C9-7E2A988F9629}"/>
-          </ac:spMkLst>
-        </pc:spChg>
-      </pc:sldChg>
-      <pc:sldChg chg="modSp modAnim">
-        <pc:chgData name="Steven Yackel" userId="4b0ae51a7568ddbd" providerId="LiveId" clId="{D298D0BD-8FC1-4E32-A5E4-4364DAA1CBE5}" dt="2021-04-13T23:06:34.864" v="58" actId="20577"/>
-        <pc:sldMkLst>
-          <pc:docMk/>
-          <pc:sldMk cId="1235979875" sldId="266"/>
-        </pc:sldMkLst>
-        <pc:spChg chg="mod">
-          <ac:chgData name="Steven Yackel" userId="4b0ae51a7568ddbd" providerId="LiveId" clId="{D298D0BD-8FC1-4E32-A5E4-4364DAA1CBE5}" dt="2021-04-13T23:06:34.864" v="58" actId="20577"/>
-          <ac:spMkLst>
-            <pc:docMk/>
-            <pc:sldMk cId="1235979875" sldId="266"/>
-            <ac:spMk id="5" creationId="{8AB02B6F-472D-430C-8588-926AC62195D6}"/>
-          </ac:spMkLst>
-        </pc:spChg>
-      </pc:sldChg>
-      <pc:sldChg chg="modSp new mod modAnim">
-        <pc:chgData name="Steven Yackel" userId="4b0ae51a7568ddbd" providerId="LiveId" clId="{D298D0BD-8FC1-4E32-A5E4-4364DAA1CBE5}" dt="2021-04-13T23:39:30.894" v="870" actId="20577"/>
-        <pc:sldMkLst>
-          <pc:docMk/>
-          <pc:sldMk cId="2965420737" sldId="270"/>
-        </pc:sldMkLst>
-        <pc:spChg chg="mod">
-          <ac:chgData name="Steven Yackel" userId="4b0ae51a7568ddbd" providerId="LiveId" clId="{D298D0BD-8FC1-4E32-A5E4-4364DAA1CBE5}" dt="2021-04-13T23:33:07.623" v="78" actId="20577"/>
-          <ac:spMkLst>
-            <pc:docMk/>
-            <pc:sldMk cId="2965420737" sldId="270"/>
-            <ac:spMk id="2" creationId="{25049A60-8C01-4EDA-962F-55F7506636E0}"/>
-          </ac:spMkLst>
-        </pc:spChg>
-        <pc:spChg chg="mod">
-          <ac:chgData name="Steven Yackel" userId="4b0ae51a7568ddbd" providerId="LiveId" clId="{D298D0BD-8FC1-4E32-A5E4-4364DAA1CBE5}" dt="2021-04-13T23:39:30.894" v="870" actId="20577"/>
-          <ac:spMkLst>
-            <pc:docMk/>
-            <pc:sldMk cId="2965420737" sldId="270"/>
-            <ac:spMk id="3" creationId="{2EF41252-DD66-425B-9913-6B97AD83AFD6}"/>
+            <pc:sldMk cId="796750258" sldId="256"/>
+            <ac:spMk id="2" creationId="{D58FD17F-A304-4620-9E36-05052DF11BEF}"/>
           </ac:spMkLst>
         </pc:spChg>
       </pc:sldChg>
@@ -355,30 +379,6 @@
       </pc:sldChg>
     </pc:docChg>
   </pc:docChgLst>
-  <pc:docChgLst>
-    <pc:chgData name="Steven Yackel" userId="4b0ae51a7568ddbd" providerId="LiveId" clId="{01554833-969C-406A-B2F1-AD0D6D0F954C}"/>
-    <pc:docChg chg="undo modSld">
-      <pc:chgData name="Steven Yackel" userId="4b0ae51a7568ddbd" providerId="LiveId" clId="{01554833-969C-406A-B2F1-AD0D6D0F954C}" dt="2019-04-10T00:01:35.243" v="46" actId="1037"/>
-      <pc:docMkLst>
-        <pc:docMk/>
-      </pc:docMkLst>
-      <pc:sldChg chg="modSp">
-        <pc:chgData name="Steven Yackel" userId="4b0ae51a7568ddbd" providerId="LiveId" clId="{01554833-969C-406A-B2F1-AD0D6D0F954C}" dt="2019-04-10T00:01:35.243" v="46" actId="1037"/>
-        <pc:sldMkLst>
-          <pc:docMk/>
-          <pc:sldMk cId="796750258" sldId="256"/>
-        </pc:sldMkLst>
-        <pc:spChg chg="mod">
-          <ac:chgData name="Steven Yackel" userId="4b0ae51a7568ddbd" providerId="LiveId" clId="{01554833-969C-406A-B2F1-AD0D6D0F954C}" dt="2019-04-10T00:01:35.243" v="46" actId="1037"/>
-          <ac:spMkLst>
-            <pc:docMk/>
-            <pc:sldMk cId="796750258" sldId="256"/>
-            <ac:spMk id="2" creationId="{D58FD17F-A304-4620-9E36-05052DF11BEF}"/>
-          </ac:spMkLst>
-        </pc:spChg>
-      </pc:sldChg>
-    </pc:docChg>
-  </pc:docChgLst>
 </pc:chgInfo>
 </file>
 
@@ -568,7 +568,7 @@
           <a:p>
             <a:fld id="{31B21ECF-7EC6-46B7-ABF2-B4FC485BE1F3}" type="datetimeFigureOut">
               <a:rPr lang="en-US" smtClean="0"/>
-              <a:t>4/13/2021</a:t>
+              <a:t>5/13/2025</a:t>
             </a:fld>
             <a:endParaRPr lang="en-US"/>
           </a:p>
@@ -843,7 +843,7 @@
           <a:p>
             <a:fld id="{31B21ECF-7EC6-46B7-ABF2-B4FC485BE1F3}" type="datetimeFigureOut">
               <a:rPr lang="en-US" smtClean="0"/>
-              <a:t>4/13/2021</a:t>
+              <a:t>5/13/2025</a:t>
             </a:fld>
             <a:endParaRPr lang="en-US"/>
           </a:p>
@@ -1037,7 +1037,7 @@
           <a:p>
             <a:fld id="{31B21ECF-7EC6-46B7-ABF2-B4FC485BE1F3}" type="datetimeFigureOut">
               <a:rPr lang="en-US" smtClean="0"/>
-              <a:t>4/13/2021</a:t>
+              <a:t>5/13/2025</a:t>
             </a:fld>
             <a:endParaRPr lang="en-US"/>
           </a:p>
@@ -1310,7 +1310,7 @@
           <a:p>
             <a:fld id="{31B21ECF-7EC6-46B7-ABF2-B4FC485BE1F3}" type="datetimeFigureOut">
               <a:rPr lang="en-US" smtClean="0"/>
-              <a:t>4/13/2021</a:t>
+              <a:t>5/13/2025</a:t>
             </a:fld>
             <a:endParaRPr lang="en-US"/>
           </a:p>
@@ -1651,7 +1651,7 @@
           <a:p>
             <a:fld id="{31B21ECF-7EC6-46B7-ABF2-B4FC485BE1F3}" type="datetimeFigureOut">
               <a:rPr lang="en-US" smtClean="0"/>
-              <a:t>4/13/2021</a:t>
+              <a:t>5/13/2025</a:t>
             </a:fld>
             <a:endParaRPr lang="en-US"/>
           </a:p>
@@ -2274,7 +2274,7 @@
           <a:p>
             <a:fld id="{31B21ECF-7EC6-46B7-ABF2-B4FC485BE1F3}" type="datetimeFigureOut">
               <a:rPr lang="en-US" smtClean="0"/>
-              <a:t>4/13/2021</a:t>
+              <a:t>5/13/2025</a:t>
             </a:fld>
             <a:endParaRPr lang="en-US"/>
           </a:p>
@@ -3134,7 +3134,7 @@
           <a:p>
             <a:fld id="{31B21ECF-7EC6-46B7-ABF2-B4FC485BE1F3}" type="datetimeFigureOut">
               <a:rPr lang="en-US" smtClean="0"/>
-              <a:t>4/13/2021</a:t>
+              <a:t>5/13/2025</a:t>
             </a:fld>
             <a:endParaRPr lang="en-US"/>
           </a:p>
@@ -3304,7 +3304,7 @@
           <a:p>
             <a:fld id="{31B21ECF-7EC6-46B7-ABF2-B4FC485BE1F3}" type="datetimeFigureOut">
               <a:rPr lang="en-US" smtClean="0"/>
-              <a:t>4/13/2021</a:t>
+              <a:t>5/13/2025</a:t>
             </a:fld>
             <a:endParaRPr lang="en-US"/>
           </a:p>
@@ -3484,7 +3484,7 @@
           <a:p>
             <a:fld id="{31B21ECF-7EC6-46B7-ABF2-B4FC485BE1F3}" type="datetimeFigureOut">
               <a:rPr lang="en-US" smtClean="0"/>
-              <a:t>4/13/2021</a:t>
+              <a:t>5/13/2025</a:t>
             </a:fld>
             <a:endParaRPr lang="en-US"/>
           </a:p>
@@ -3654,7 +3654,7 @@
           <a:p>
             <a:fld id="{31B21ECF-7EC6-46B7-ABF2-B4FC485BE1F3}" type="datetimeFigureOut">
               <a:rPr lang="en-US" smtClean="0"/>
-              <a:t>4/13/2021</a:t>
+              <a:t>5/13/2025</a:t>
             </a:fld>
             <a:endParaRPr lang="en-US"/>
           </a:p>
@@ -3901,7 +3901,7 @@
           <a:p>
             <a:fld id="{31B21ECF-7EC6-46B7-ABF2-B4FC485BE1F3}" type="datetimeFigureOut">
               <a:rPr lang="en-US" smtClean="0"/>
-              <a:t>4/13/2021</a:t>
+              <a:t>5/13/2025</a:t>
             </a:fld>
             <a:endParaRPr lang="en-US"/>
           </a:p>
@@ -4193,7 +4193,7 @@
           <a:p>
             <a:fld id="{31B21ECF-7EC6-46B7-ABF2-B4FC485BE1F3}" type="datetimeFigureOut">
               <a:rPr lang="en-US" smtClean="0"/>
-              <a:t>4/13/2021</a:t>
+              <a:t>5/13/2025</a:t>
             </a:fld>
             <a:endParaRPr lang="en-US"/>
           </a:p>
@@ -4642,7 +4642,7 @@
           <a:p>
             <a:fld id="{31B21ECF-7EC6-46B7-ABF2-B4FC485BE1F3}" type="datetimeFigureOut">
               <a:rPr lang="en-US" smtClean="0"/>
-              <a:t>4/13/2021</a:t>
+              <a:t>5/13/2025</a:t>
             </a:fld>
             <a:endParaRPr lang="en-US"/>
           </a:p>
@@ -4765,7 +4765,7 @@
           <a:p>
             <a:fld id="{31B21ECF-7EC6-46B7-ABF2-B4FC485BE1F3}" type="datetimeFigureOut">
               <a:rPr lang="en-US" smtClean="0"/>
-              <a:t>4/13/2021</a:t>
+              <a:t>5/13/2025</a:t>
             </a:fld>
             <a:endParaRPr lang="en-US"/>
           </a:p>
@@ -4860,7 +4860,7 @@
           <a:p>
             <a:fld id="{31B21ECF-7EC6-46B7-ABF2-B4FC485BE1F3}" type="datetimeFigureOut">
               <a:rPr lang="en-US" smtClean="0"/>
-              <a:t>4/13/2021</a:t>
+              <a:t>5/13/2025</a:t>
             </a:fld>
             <a:endParaRPr lang="en-US"/>
           </a:p>
@@ -5139,7 +5139,7 @@
           <a:p>
             <a:fld id="{31B21ECF-7EC6-46B7-ABF2-B4FC485BE1F3}" type="datetimeFigureOut">
               <a:rPr lang="en-US" smtClean="0"/>
-              <a:t>4/13/2021</a:t>
+              <a:t>5/13/2025</a:t>
             </a:fld>
             <a:endParaRPr lang="en-US"/>
           </a:p>
@@ -5419,7 +5419,7 @@
           <a:p>
             <a:fld id="{31B21ECF-7EC6-46B7-ABF2-B4FC485BE1F3}" type="datetimeFigureOut">
               <a:rPr lang="en-US" smtClean="0"/>
-              <a:t>4/13/2021</a:t>
+              <a:t>5/13/2025</a:t>
             </a:fld>
             <a:endParaRPr lang="en-US"/>
           </a:p>
@@ -5848,7 +5848,7 @@
           <a:p>
             <a:fld id="{31B21ECF-7EC6-46B7-ABF2-B4FC485BE1F3}" type="datetimeFigureOut">
               <a:rPr lang="en-US" smtClean="0"/>
-              <a:t>4/13/2021</a:t>
+              <a:t>5/13/2025</a:t>
             </a:fld>
             <a:endParaRPr lang="en-US"/>
           </a:p>
@@ -6472,7 +6472,7 @@
           <p:cNvPr id="2" name="Title 1">
             <a:extLst>
               <a:ext uri="{FF2B5EF4-FFF2-40B4-BE49-F238E27FC236}">
-                <a16:creationId xmlns:a16="http://schemas.microsoft.com/office/drawing/2014/main" id="{96245E77-719B-40F6-B522-F7481951CCB6}"/>
+                <a16:creationId xmlns:a16="http://schemas.microsoft.com/office/drawing/2014/main" id="{25049A60-8C01-4EDA-962F-55F7506636E0}"/>
               </a:ext>
             </a:extLst>
           </p:cNvPr>
@@ -6490,7 +6490,7 @@
           <a:p>
             <a:r>
               <a:rPr lang="en-US" dirty="0"/>
-              <a:t>Screen in, not out</a:t>
+              <a:t>Interview Structure</a:t>
             </a:r>
           </a:p>
         </p:txBody>
@@ -6500,7 +6500,7 @@
           <p:cNvPr id="3" name="Content Placeholder 2">
             <a:extLst>
               <a:ext uri="{FF2B5EF4-FFF2-40B4-BE49-F238E27FC236}">
-                <a16:creationId xmlns:a16="http://schemas.microsoft.com/office/drawing/2014/main" id="{C14AEA1F-6B6A-404E-B7C9-7E2A988F9629}"/>
+                <a16:creationId xmlns:a16="http://schemas.microsoft.com/office/drawing/2014/main" id="{2EF41252-DD66-425B-9913-6B97AD83AFD6}"/>
               </a:ext>
             </a:extLst>
           </p:cNvPr>
@@ -6514,25 +6514,87 @@
         <p:spPr/>
         <p:txBody>
           <a:bodyPr>
-            <a:normAutofit/>
+            <a:normAutofit fontScale="92500" lnSpcReduction="20000"/>
           </a:bodyPr>
           <a:lstStyle/>
           <a:p>
             <a:r>
               <a:rPr lang="en-US" dirty="0"/>
-              <a:t>Focus on what they bring that you need more of on the team</a:t>
-            </a:r>
-          </a:p>
-          <a:p>
+              <a:t>Phone interview</a:t>
+            </a:r>
+          </a:p>
+          <a:p>
+            <a:pPr lvl="1"/>
             <a:r>
               <a:rPr lang="en-US" dirty="0"/>
-              <a:t>Evaluate based on the needs of the role, not against the other candidates (best of the worst is not the best)</a:t>
+              <a:t>Pre-screen out candidates, could be HR, could be light technical</a:t>
             </a:r>
           </a:p>
           <a:p>
             <a:r>
               <a:rPr lang="en-US" dirty="0"/>
-              <a:t>Challenge strong positive or negative reactions and examine assumptions you may be making.</a:t>
+              <a:t>Interview loops</a:t>
+            </a:r>
+          </a:p>
+          <a:p>
+            <a:pPr lvl="1"/>
+            <a:r>
+              <a:rPr lang="en-US" dirty="0"/>
+              <a:t>4-5 one-hour interviews in the same day</a:t>
+            </a:r>
+          </a:p>
+          <a:p>
+            <a:pPr lvl="1"/>
+            <a:r>
+              <a:rPr lang="en-US" dirty="0"/>
+              <a:t>Each interview is half technical (whiteboard) and half behavioral</a:t>
+            </a:r>
+          </a:p>
+          <a:p>
+            <a:pPr lvl="1"/>
+            <a:r>
+              <a:rPr lang="en-US" dirty="0"/>
+              <a:t>“Big” (Amazon, Google, Microsoft…) companies use these</a:t>
+            </a:r>
+          </a:p>
+          <a:p>
+            <a:r>
+              <a:rPr lang="en-US" dirty="0"/>
+              <a:t>Interview panels</a:t>
+            </a:r>
+          </a:p>
+          <a:p>
+            <a:pPr lvl="1"/>
+            <a:r>
+              <a:rPr lang="en-US" dirty="0"/>
+              <a:t>1-2 hours with 1-4 people</a:t>
+            </a:r>
+          </a:p>
+          <a:p>
+            <a:pPr lvl="1"/>
+            <a:r>
+              <a:rPr lang="en-US" dirty="0"/>
+              <a:t>Wide variety of questions, technical (sometimes whiteboard), behavioral</a:t>
+            </a:r>
+          </a:p>
+          <a:p>
+            <a:r>
+              <a:rPr lang="en-US" dirty="0"/>
+              <a:t>Take home problems</a:t>
+            </a:r>
+          </a:p>
+          <a:p>
+            <a:pPr lvl="1"/>
+            <a:r>
+              <a:rPr lang="en-US" dirty="0"/>
+              <a:t>Hours-long coding project, often working over the weekend</a:t>
+            </a:r>
+          </a:p>
+          <a:p>
+            <a:pPr lvl="1"/>
+            <a:r>
+              <a:rPr lang="en-US" dirty="0"/>
+              <a:t>Discuss your solution in person</a:t>
             </a:r>
           </a:p>
         </p:txBody>
@@ -6540,7 +6602,7 @@
     </p:spTree>
     <p:extLst>
       <p:ext uri="{BB962C8B-B14F-4D97-AF65-F5344CB8AC3E}">
-        <p14:creationId xmlns:p14="http://schemas.microsoft.com/office/powerpoint/2010/main" val="96111209"/>
+        <p14:creationId xmlns:p14="http://schemas.microsoft.com/office/powerpoint/2010/main" val="506874655"/>
       </p:ext>
     </p:extLst>
   </p:cSld>
@@ -6568,7 +6630,7 @@
                             </p:stCondLst>
                             <p:childTnLst>
                               <p:par>
-                                <p:cTn id="5" presetID="42" presetClass="entr" presetSubtype="0" fill="hold" grpId="0" nodeType="clickEffect">
+                                <p:cTn id="5" presetID="1" presetClass="entr" presetSubtype="0" fill="hold" grpId="0" nodeType="clickEffect">
                                   <p:stCondLst>
                                     <p:cond delay="0"/>
                                   </p:stCondLst>
@@ -6595,72 +6657,6 @@
                                         <p:strVal val="visible"/>
                                       </p:to>
                                     </p:set>
-                                    <p:animEffect transition="in" filter="fade">
-                                      <p:cBhvr>
-                                        <p:cTn id="7" dur="1000"/>
-                                        <p:tgtEl>
-                                          <p:spTgt spid="3">
-                                            <p:txEl>
-                                              <p:pRg st="0" end="0"/>
-                                            </p:txEl>
-                                          </p:spTgt>
-                                        </p:tgtEl>
-                                      </p:cBhvr>
-                                    </p:animEffect>
-                                    <p:anim calcmode="lin" valueType="num">
-                                      <p:cBhvr>
-                                        <p:cTn id="8" dur="1000" fill="hold"/>
-                                        <p:tgtEl>
-                                          <p:spTgt spid="3">
-                                            <p:txEl>
-                                              <p:pRg st="0" end="0"/>
-                                            </p:txEl>
-                                          </p:spTgt>
-                                        </p:tgtEl>
-                                        <p:attrNameLst>
-                                          <p:attrName>ppt_x</p:attrName>
-                                        </p:attrNameLst>
-                                      </p:cBhvr>
-                                      <p:tavLst>
-                                        <p:tav tm="0">
-                                          <p:val>
-                                            <p:strVal val="#ppt_x"/>
-                                          </p:val>
-                                        </p:tav>
-                                        <p:tav tm="100000">
-                                          <p:val>
-                                            <p:strVal val="#ppt_x"/>
-                                          </p:val>
-                                        </p:tav>
-                                      </p:tavLst>
-                                    </p:anim>
-                                    <p:anim calcmode="lin" valueType="num">
-                                      <p:cBhvr>
-                                        <p:cTn id="9" dur="1000" fill="hold"/>
-                                        <p:tgtEl>
-                                          <p:spTgt spid="3">
-                                            <p:txEl>
-                                              <p:pRg st="0" end="0"/>
-                                            </p:txEl>
-                                          </p:spTgt>
-                                        </p:tgtEl>
-                                        <p:attrNameLst>
-                                          <p:attrName>ppt_y</p:attrName>
-                                        </p:attrNameLst>
-                                      </p:cBhvr>
-                                      <p:tavLst>
-                                        <p:tav tm="0">
-                                          <p:val>
-                                            <p:strVal val="#ppt_y+.1"/>
-                                          </p:val>
-                                        </p:tav>
-                                        <p:tav tm="100000">
-                                          <p:val>
-                                            <p:strVal val="#ppt_y"/>
-                                          </p:val>
-                                        </p:tav>
-                                      </p:tavLst>
-                                    </p:anim>
                                   </p:childTnLst>
                                 </p:cTn>
                               </p:par>
@@ -6671,26 +6667,26 @@
                     </p:cTn>
                   </p:par>
                   <p:par>
-                    <p:cTn id="10" fill="hold">
+                    <p:cTn id="7" fill="hold">
                       <p:stCondLst>
                         <p:cond delay="indefinite"/>
                       </p:stCondLst>
                       <p:childTnLst>
                         <p:par>
-                          <p:cTn id="11" fill="hold">
+                          <p:cTn id="8" fill="hold">
                             <p:stCondLst>
                               <p:cond delay="0"/>
                             </p:stCondLst>
                             <p:childTnLst>
                               <p:par>
-                                <p:cTn id="12" presetID="42" presetClass="entr" presetSubtype="0" fill="hold" grpId="0" nodeType="clickEffect">
+                                <p:cTn id="9" presetID="1" presetClass="entr" presetSubtype="0" fill="hold" grpId="0" nodeType="clickEffect">
                                   <p:stCondLst>
                                     <p:cond delay="0"/>
                                   </p:stCondLst>
                                   <p:childTnLst>
                                     <p:set>
                                       <p:cBhvr>
-                                        <p:cTn id="13" dur="1" fill="hold">
+                                        <p:cTn id="10" dur="1" fill="hold">
                                           <p:stCondLst>
                                             <p:cond delay="0"/>
                                           </p:stCondLst>
@@ -6710,72 +6706,6 @@
                                         <p:strVal val="visible"/>
                                       </p:to>
                                     </p:set>
-                                    <p:animEffect transition="in" filter="fade">
-                                      <p:cBhvr>
-                                        <p:cTn id="14" dur="1000"/>
-                                        <p:tgtEl>
-                                          <p:spTgt spid="3">
-                                            <p:txEl>
-                                              <p:pRg st="1" end="1"/>
-                                            </p:txEl>
-                                          </p:spTgt>
-                                        </p:tgtEl>
-                                      </p:cBhvr>
-                                    </p:animEffect>
-                                    <p:anim calcmode="lin" valueType="num">
-                                      <p:cBhvr>
-                                        <p:cTn id="15" dur="1000" fill="hold"/>
-                                        <p:tgtEl>
-                                          <p:spTgt spid="3">
-                                            <p:txEl>
-                                              <p:pRg st="1" end="1"/>
-                                            </p:txEl>
-                                          </p:spTgt>
-                                        </p:tgtEl>
-                                        <p:attrNameLst>
-                                          <p:attrName>ppt_x</p:attrName>
-                                        </p:attrNameLst>
-                                      </p:cBhvr>
-                                      <p:tavLst>
-                                        <p:tav tm="0">
-                                          <p:val>
-                                            <p:strVal val="#ppt_x"/>
-                                          </p:val>
-                                        </p:tav>
-                                        <p:tav tm="100000">
-                                          <p:val>
-                                            <p:strVal val="#ppt_x"/>
-                                          </p:val>
-                                        </p:tav>
-                                      </p:tavLst>
-                                    </p:anim>
-                                    <p:anim calcmode="lin" valueType="num">
-                                      <p:cBhvr>
-                                        <p:cTn id="16" dur="1000" fill="hold"/>
-                                        <p:tgtEl>
-                                          <p:spTgt spid="3">
-                                            <p:txEl>
-                                              <p:pRg st="1" end="1"/>
-                                            </p:txEl>
-                                          </p:spTgt>
-                                        </p:tgtEl>
-                                        <p:attrNameLst>
-                                          <p:attrName>ppt_y</p:attrName>
-                                        </p:attrNameLst>
-                                      </p:cBhvr>
-                                      <p:tavLst>
-                                        <p:tav tm="0">
-                                          <p:val>
-                                            <p:strVal val="#ppt_y+.1"/>
-                                          </p:val>
-                                        </p:tav>
-                                        <p:tav tm="100000">
-                                          <p:val>
-                                            <p:strVal val="#ppt_y"/>
-                                          </p:val>
-                                        </p:tav>
-                                      </p:tavLst>
-                                    </p:anim>
                                   </p:childTnLst>
                                 </p:cTn>
                               </p:par>
@@ -6786,26 +6716,26 @@
                     </p:cTn>
                   </p:par>
                   <p:par>
-                    <p:cTn id="17" fill="hold">
+                    <p:cTn id="11" fill="hold">
                       <p:stCondLst>
                         <p:cond delay="indefinite"/>
                       </p:stCondLst>
                       <p:childTnLst>
                         <p:par>
-                          <p:cTn id="18" fill="hold">
+                          <p:cTn id="12" fill="hold">
                             <p:stCondLst>
                               <p:cond delay="0"/>
                             </p:stCondLst>
                             <p:childTnLst>
                               <p:par>
-                                <p:cTn id="19" presetID="42" presetClass="entr" presetSubtype="0" fill="hold" grpId="0" nodeType="clickEffect">
+                                <p:cTn id="13" presetID="1" presetClass="entr" presetSubtype="0" fill="hold" grpId="0" nodeType="clickEffect">
                                   <p:stCondLst>
                                     <p:cond delay="0"/>
                                   </p:stCondLst>
                                   <p:childTnLst>
                                     <p:set>
                                       <p:cBhvr>
-                                        <p:cTn id="20" dur="1" fill="hold">
+                                        <p:cTn id="14" dur="1" fill="hold">
                                           <p:stCondLst>
                                             <p:cond delay="0"/>
                                           </p:stCondLst>
@@ -6825,72 +6755,447 @@
                                         <p:strVal val="visible"/>
                                       </p:to>
                                     </p:set>
-                                    <p:animEffect transition="in" filter="fade">
-                                      <p:cBhvr>
-                                        <p:cTn id="21" dur="1000"/>
-                                        <p:tgtEl>
-                                          <p:spTgt spid="3">
-                                            <p:txEl>
-                                              <p:pRg st="2" end="2"/>
-                                            </p:txEl>
-                                          </p:spTgt>
-                                        </p:tgtEl>
-                                      </p:cBhvr>
-                                    </p:animEffect>
-                                    <p:anim calcmode="lin" valueType="num">
-                                      <p:cBhvr>
-                                        <p:cTn id="22" dur="1000" fill="hold"/>
-                                        <p:tgtEl>
-                                          <p:spTgt spid="3">
-                                            <p:txEl>
-                                              <p:pRg st="2" end="2"/>
-                                            </p:txEl>
-                                          </p:spTgt>
-                                        </p:tgtEl>
-                                        <p:attrNameLst>
-                                          <p:attrName>ppt_x</p:attrName>
-                                        </p:attrNameLst>
-                                      </p:cBhvr>
-                                      <p:tavLst>
-                                        <p:tav tm="0">
-                                          <p:val>
-                                            <p:strVal val="#ppt_x"/>
-                                          </p:val>
-                                        </p:tav>
-                                        <p:tav tm="100000">
-                                          <p:val>
-                                            <p:strVal val="#ppt_x"/>
-                                          </p:val>
-                                        </p:tav>
-                                      </p:tavLst>
-                                    </p:anim>
-                                    <p:anim calcmode="lin" valueType="num">
-                                      <p:cBhvr>
-                                        <p:cTn id="23" dur="1000" fill="hold"/>
-                                        <p:tgtEl>
-                                          <p:spTgt spid="3">
-                                            <p:txEl>
-                                              <p:pRg st="2" end="2"/>
-                                            </p:txEl>
-                                          </p:spTgt>
-                                        </p:tgtEl>
-                                        <p:attrNameLst>
-                                          <p:attrName>ppt_y</p:attrName>
-                                        </p:attrNameLst>
-                                      </p:cBhvr>
-                                      <p:tavLst>
-                                        <p:tav tm="0">
-                                          <p:val>
-                                            <p:strVal val="#ppt_y+.1"/>
-                                          </p:val>
-                                        </p:tav>
-                                        <p:tav tm="100000">
-                                          <p:val>
-                                            <p:strVal val="#ppt_y"/>
-                                          </p:val>
-                                        </p:tav>
-                                      </p:tavLst>
-                                    </p:anim>
+                                  </p:childTnLst>
+                                </p:cTn>
+                              </p:par>
+                            </p:childTnLst>
+                          </p:cTn>
+                        </p:par>
+                      </p:childTnLst>
+                    </p:cTn>
+                  </p:par>
+                  <p:par>
+                    <p:cTn id="15" fill="hold">
+                      <p:stCondLst>
+                        <p:cond delay="indefinite"/>
+                      </p:stCondLst>
+                      <p:childTnLst>
+                        <p:par>
+                          <p:cTn id="16" fill="hold">
+                            <p:stCondLst>
+                              <p:cond delay="0"/>
+                            </p:stCondLst>
+                            <p:childTnLst>
+                              <p:par>
+                                <p:cTn id="17" presetID="1" presetClass="entr" presetSubtype="0" fill="hold" grpId="0" nodeType="clickEffect">
+                                  <p:stCondLst>
+                                    <p:cond delay="0"/>
+                                  </p:stCondLst>
+                                  <p:childTnLst>
+                                    <p:set>
+                                      <p:cBhvr>
+                                        <p:cTn id="18" dur="1" fill="hold">
+                                          <p:stCondLst>
+                                            <p:cond delay="0"/>
+                                          </p:stCondLst>
+                                        </p:cTn>
+                                        <p:tgtEl>
+                                          <p:spTgt spid="3">
+                                            <p:txEl>
+                                              <p:pRg st="3" end="3"/>
+                                            </p:txEl>
+                                          </p:spTgt>
+                                        </p:tgtEl>
+                                        <p:attrNameLst>
+                                          <p:attrName>style.visibility</p:attrName>
+                                        </p:attrNameLst>
+                                      </p:cBhvr>
+                                      <p:to>
+                                        <p:strVal val="visible"/>
+                                      </p:to>
+                                    </p:set>
+                                  </p:childTnLst>
+                                </p:cTn>
+                              </p:par>
+                            </p:childTnLst>
+                          </p:cTn>
+                        </p:par>
+                      </p:childTnLst>
+                    </p:cTn>
+                  </p:par>
+                  <p:par>
+                    <p:cTn id="19" fill="hold">
+                      <p:stCondLst>
+                        <p:cond delay="indefinite"/>
+                      </p:stCondLst>
+                      <p:childTnLst>
+                        <p:par>
+                          <p:cTn id="20" fill="hold">
+                            <p:stCondLst>
+                              <p:cond delay="0"/>
+                            </p:stCondLst>
+                            <p:childTnLst>
+                              <p:par>
+                                <p:cTn id="21" presetID="1" presetClass="entr" presetSubtype="0" fill="hold" grpId="0" nodeType="clickEffect">
+                                  <p:stCondLst>
+                                    <p:cond delay="0"/>
+                                  </p:stCondLst>
+                                  <p:childTnLst>
+                                    <p:set>
+                                      <p:cBhvr>
+                                        <p:cTn id="22" dur="1" fill="hold">
+                                          <p:stCondLst>
+                                            <p:cond delay="0"/>
+                                          </p:stCondLst>
+                                        </p:cTn>
+                                        <p:tgtEl>
+                                          <p:spTgt spid="3">
+                                            <p:txEl>
+                                              <p:pRg st="4" end="4"/>
+                                            </p:txEl>
+                                          </p:spTgt>
+                                        </p:tgtEl>
+                                        <p:attrNameLst>
+                                          <p:attrName>style.visibility</p:attrName>
+                                        </p:attrNameLst>
+                                      </p:cBhvr>
+                                      <p:to>
+                                        <p:strVal val="visible"/>
+                                      </p:to>
+                                    </p:set>
+                                  </p:childTnLst>
+                                </p:cTn>
+                              </p:par>
+                            </p:childTnLst>
+                          </p:cTn>
+                        </p:par>
+                      </p:childTnLst>
+                    </p:cTn>
+                  </p:par>
+                  <p:par>
+                    <p:cTn id="23" fill="hold">
+                      <p:stCondLst>
+                        <p:cond delay="indefinite"/>
+                      </p:stCondLst>
+                      <p:childTnLst>
+                        <p:par>
+                          <p:cTn id="24" fill="hold">
+                            <p:stCondLst>
+                              <p:cond delay="0"/>
+                            </p:stCondLst>
+                            <p:childTnLst>
+                              <p:par>
+                                <p:cTn id="25" presetID="1" presetClass="entr" presetSubtype="0" fill="hold" grpId="0" nodeType="clickEffect">
+                                  <p:stCondLst>
+                                    <p:cond delay="0"/>
+                                  </p:stCondLst>
+                                  <p:childTnLst>
+                                    <p:set>
+                                      <p:cBhvr>
+                                        <p:cTn id="26" dur="1" fill="hold">
+                                          <p:stCondLst>
+                                            <p:cond delay="0"/>
+                                          </p:stCondLst>
+                                        </p:cTn>
+                                        <p:tgtEl>
+                                          <p:spTgt spid="3">
+                                            <p:txEl>
+                                              <p:pRg st="5" end="5"/>
+                                            </p:txEl>
+                                          </p:spTgt>
+                                        </p:tgtEl>
+                                        <p:attrNameLst>
+                                          <p:attrName>style.visibility</p:attrName>
+                                        </p:attrNameLst>
+                                      </p:cBhvr>
+                                      <p:to>
+                                        <p:strVal val="visible"/>
+                                      </p:to>
+                                    </p:set>
+                                  </p:childTnLst>
+                                </p:cTn>
+                              </p:par>
+                            </p:childTnLst>
+                          </p:cTn>
+                        </p:par>
+                      </p:childTnLst>
+                    </p:cTn>
+                  </p:par>
+                  <p:par>
+                    <p:cTn id="27" fill="hold">
+                      <p:stCondLst>
+                        <p:cond delay="indefinite"/>
+                      </p:stCondLst>
+                      <p:childTnLst>
+                        <p:par>
+                          <p:cTn id="28" fill="hold">
+                            <p:stCondLst>
+                              <p:cond delay="0"/>
+                            </p:stCondLst>
+                            <p:childTnLst>
+                              <p:par>
+                                <p:cTn id="29" presetID="1" presetClass="entr" presetSubtype="0" fill="hold" grpId="0" nodeType="clickEffect">
+                                  <p:stCondLst>
+                                    <p:cond delay="0"/>
+                                  </p:stCondLst>
+                                  <p:childTnLst>
+                                    <p:set>
+                                      <p:cBhvr>
+                                        <p:cTn id="30" dur="1" fill="hold">
+                                          <p:stCondLst>
+                                            <p:cond delay="0"/>
+                                          </p:stCondLst>
+                                        </p:cTn>
+                                        <p:tgtEl>
+                                          <p:spTgt spid="3">
+                                            <p:txEl>
+                                              <p:pRg st="6" end="6"/>
+                                            </p:txEl>
+                                          </p:spTgt>
+                                        </p:tgtEl>
+                                        <p:attrNameLst>
+                                          <p:attrName>style.visibility</p:attrName>
+                                        </p:attrNameLst>
+                                      </p:cBhvr>
+                                      <p:to>
+                                        <p:strVal val="visible"/>
+                                      </p:to>
+                                    </p:set>
+                                  </p:childTnLst>
+                                </p:cTn>
+                              </p:par>
+                            </p:childTnLst>
+                          </p:cTn>
+                        </p:par>
+                      </p:childTnLst>
+                    </p:cTn>
+                  </p:par>
+                  <p:par>
+                    <p:cTn id="31" fill="hold">
+                      <p:stCondLst>
+                        <p:cond delay="indefinite"/>
+                      </p:stCondLst>
+                      <p:childTnLst>
+                        <p:par>
+                          <p:cTn id="32" fill="hold">
+                            <p:stCondLst>
+                              <p:cond delay="0"/>
+                            </p:stCondLst>
+                            <p:childTnLst>
+                              <p:par>
+                                <p:cTn id="33" presetID="1" presetClass="entr" presetSubtype="0" fill="hold" grpId="0" nodeType="clickEffect">
+                                  <p:stCondLst>
+                                    <p:cond delay="0"/>
+                                  </p:stCondLst>
+                                  <p:childTnLst>
+                                    <p:set>
+                                      <p:cBhvr>
+                                        <p:cTn id="34" dur="1" fill="hold">
+                                          <p:stCondLst>
+                                            <p:cond delay="0"/>
+                                          </p:stCondLst>
+                                        </p:cTn>
+                                        <p:tgtEl>
+                                          <p:spTgt spid="3">
+                                            <p:txEl>
+                                              <p:pRg st="7" end="7"/>
+                                            </p:txEl>
+                                          </p:spTgt>
+                                        </p:tgtEl>
+                                        <p:attrNameLst>
+                                          <p:attrName>style.visibility</p:attrName>
+                                        </p:attrNameLst>
+                                      </p:cBhvr>
+                                      <p:to>
+                                        <p:strVal val="visible"/>
+                                      </p:to>
+                                    </p:set>
+                                  </p:childTnLst>
+                                </p:cTn>
+                              </p:par>
+                            </p:childTnLst>
+                          </p:cTn>
+                        </p:par>
+                      </p:childTnLst>
+                    </p:cTn>
+                  </p:par>
+                  <p:par>
+                    <p:cTn id="35" fill="hold">
+                      <p:stCondLst>
+                        <p:cond delay="indefinite"/>
+                      </p:stCondLst>
+                      <p:childTnLst>
+                        <p:par>
+                          <p:cTn id="36" fill="hold">
+                            <p:stCondLst>
+                              <p:cond delay="0"/>
+                            </p:stCondLst>
+                            <p:childTnLst>
+                              <p:par>
+                                <p:cTn id="37" presetID="1" presetClass="entr" presetSubtype="0" fill="hold" grpId="0" nodeType="clickEffect">
+                                  <p:stCondLst>
+                                    <p:cond delay="0"/>
+                                  </p:stCondLst>
+                                  <p:childTnLst>
+                                    <p:set>
+                                      <p:cBhvr>
+                                        <p:cTn id="38" dur="1" fill="hold">
+                                          <p:stCondLst>
+                                            <p:cond delay="0"/>
+                                          </p:stCondLst>
+                                        </p:cTn>
+                                        <p:tgtEl>
+                                          <p:spTgt spid="3">
+                                            <p:txEl>
+                                              <p:pRg st="8" end="8"/>
+                                            </p:txEl>
+                                          </p:spTgt>
+                                        </p:tgtEl>
+                                        <p:attrNameLst>
+                                          <p:attrName>style.visibility</p:attrName>
+                                        </p:attrNameLst>
+                                      </p:cBhvr>
+                                      <p:to>
+                                        <p:strVal val="visible"/>
+                                      </p:to>
+                                    </p:set>
+                                  </p:childTnLst>
+                                </p:cTn>
+                              </p:par>
+                            </p:childTnLst>
+                          </p:cTn>
+                        </p:par>
+                      </p:childTnLst>
+                    </p:cTn>
+                  </p:par>
+                  <p:par>
+                    <p:cTn id="39" fill="hold">
+                      <p:stCondLst>
+                        <p:cond delay="indefinite"/>
+                      </p:stCondLst>
+                      <p:childTnLst>
+                        <p:par>
+                          <p:cTn id="40" fill="hold">
+                            <p:stCondLst>
+                              <p:cond delay="0"/>
+                            </p:stCondLst>
+                            <p:childTnLst>
+                              <p:par>
+                                <p:cTn id="41" presetID="1" presetClass="entr" presetSubtype="0" fill="hold" grpId="0" nodeType="clickEffect">
+                                  <p:stCondLst>
+                                    <p:cond delay="0"/>
+                                  </p:stCondLst>
+                                  <p:childTnLst>
+                                    <p:set>
+                                      <p:cBhvr>
+                                        <p:cTn id="42" dur="1" fill="hold">
+                                          <p:stCondLst>
+                                            <p:cond delay="0"/>
+                                          </p:stCondLst>
+                                        </p:cTn>
+                                        <p:tgtEl>
+                                          <p:spTgt spid="3">
+                                            <p:txEl>
+                                              <p:pRg st="9" end="9"/>
+                                            </p:txEl>
+                                          </p:spTgt>
+                                        </p:tgtEl>
+                                        <p:attrNameLst>
+                                          <p:attrName>style.visibility</p:attrName>
+                                        </p:attrNameLst>
+                                      </p:cBhvr>
+                                      <p:to>
+                                        <p:strVal val="visible"/>
+                                      </p:to>
+                                    </p:set>
+                                  </p:childTnLst>
+                                </p:cTn>
+                              </p:par>
+                            </p:childTnLst>
+                          </p:cTn>
+                        </p:par>
+                      </p:childTnLst>
+                    </p:cTn>
+                  </p:par>
+                  <p:par>
+                    <p:cTn id="43" fill="hold">
+                      <p:stCondLst>
+                        <p:cond delay="indefinite"/>
+                      </p:stCondLst>
+                      <p:childTnLst>
+                        <p:par>
+                          <p:cTn id="44" fill="hold">
+                            <p:stCondLst>
+                              <p:cond delay="0"/>
+                            </p:stCondLst>
+                            <p:childTnLst>
+                              <p:par>
+                                <p:cTn id="45" presetID="1" presetClass="entr" presetSubtype="0" fill="hold" grpId="0" nodeType="clickEffect">
+                                  <p:stCondLst>
+                                    <p:cond delay="0"/>
+                                  </p:stCondLst>
+                                  <p:childTnLst>
+                                    <p:set>
+                                      <p:cBhvr>
+                                        <p:cTn id="46" dur="1" fill="hold">
+                                          <p:stCondLst>
+                                            <p:cond delay="0"/>
+                                          </p:stCondLst>
+                                        </p:cTn>
+                                        <p:tgtEl>
+                                          <p:spTgt spid="3">
+                                            <p:txEl>
+                                              <p:pRg st="10" end="10"/>
+                                            </p:txEl>
+                                          </p:spTgt>
+                                        </p:tgtEl>
+                                        <p:attrNameLst>
+                                          <p:attrName>style.visibility</p:attrName>
+                                        </p:attrNameLst>
+                                      </p:cBhvr>
+                                      <p:to>
+                                        <p:strVal val="visible"/>
+                                      </p:to>
+                                    </p:set>
+                                  </p:childTnLst>
+                                </p:cTn>
+                              </p:par>
+                            </p:childTnLst>
+                          </p:cTn>
+                        </p:par>
+                      </p:childTnLst>
+                    </p:cTn>
+                  </p:par>
+                  <p:par>
+                    <p:cTn id="47" fill="hold">
+                      <p:stCondLst>
+                        <p:cond delay="indefinite"/>
+                      </p:stCondLst>
+                      <p:childTnLst>
+                        <p:par>
+                          <p:cTn id="48" fill="hold">
+                            <p:stCondLst>
+                              <p:cond delay="0"/>
+                            </p:stCondLst>
+                            <p:childTnLst>
+                              <p:par>
+                                <p:cTn id="49" presetID="1" presetClass="entr" presetSubtype="0" fill="hold" grpId="0" nodeType="clickEffect">
+                                  <p:stCondLst>
+                                    <p:cond delay="0"/>
+                                  </p:stCondLst>
+                                  <p:childTnLst>
+                                    <p:set>
+                                      <p:cBhvr>
+                                        <p:cTn id="50" dur="1" fill="hold">
+                                          <p:stCondLst>
+                                            <p:cond delay="0"/>
+                                          </p:stCondLst>
+                                        </p:cTn>
+                                        <p:tgtEl>
+                                          <p:spTgt spid="3">
+                                            <p:txEl>
+                                              <p:pRg st="11" end="11"/>
+                                            </p:txEl>
+                                          </p:spTgt>
+                                        </p:tgtEl>
+                                        <p:attrNameLst>
+                                          <p:attrName>style.visibility</p:attrName>
+                                        </p:attrNameLst>
+                                      </p:cBhvr>
+                                      <p:to>
+                                        <p:strVal val="visible"/>
+                                      </p:to>
+                                    </p:set>
                                   </p:childTnLst>
                                 </p:cTn>
                               </p:par>
@@ -6950,7 +7255,7 @@
           <p:cNvPr id="2" name="Title 1">
             <a:extLst>
               <a:ext uri="{FF2B5EF4-FFF2-40B4-BE49-F238E27FC236}">
-                <a16:creationId xmlns:a16="http://schemas.microsoft.com/office/drawing/2014/main" id="{96245E77-719B-40F6-B522-F7481951CCB6}"/>
+                <a16:creationId xmlns:a16="http://schemas.microsoft.com/office/drawing/2014/main" id="{7C7F56EA-3089-435B-B4E9-934C23755219}"/>
               </a:ext>
             </a:extLst>
           </p:cNvPr>
@@ -6968,7 +7273,7 @@
           <a:p>
             <a:r>
               <a:rPr lang="en-US" dirty="0"/>
-              <a:t>General Tips</a:t>
+              <a:t>Behavioral and Hypothetical Questions</a:t>
             </a:r>
           </a:p>
         </p:txBody>
@@ -6978,7 +7283,7 @@
           <p:cNvPr id="3" name="Content Placeholder 2">
             <a:extLst>
               <a:ext uri="{FF2B5EF4-FFF2-40B4-BE49-F238E27FC236}">
-                <a16:creationId xmlns:a16="http://schemas.microsoft.com/office/drawing/2014/main" id="{C14AEA1F-6B6A-404E-B7C9-7E2A988F9629}"/>
+                <a16:creationId xmlns:a16="http://schemas.microsoft.com/office/drawing/2014/main" id="{C95C9A4D-A530-4A74-A0D8-B686BD140884}"/>
               </a:ext>
             </a:extLst>
           </p:cNvPr>
@@ -6989,7 +7294,12 @@
             <p:ph idx="1"/>
           </p:nvPr>
         </p:nvSpPr>
-        <p:spPr/>
+        <p:spPr>
+          <a:xfrm>
+            <a:off x="1103312" y="2052918"/>
+            <a:ext cx="10098088" cy="4568169"/>
+          </a:xfrm>
+        </p:spPr>
         <p:txBody>
           <a:bodyPr>
             <a:normAutofit/>
@@ -6997,29 +7307,78 @@
           <a:lstStyle/>
           <a:p>
             <a:r>
+              <a:rPr lang="en-US" sz="2800" dirty="0">
+                <a:latin typeface="+mn-lt"/>
+              </a:rPr>
+              <a:t>Behavioral Questions</a:t>
+            </a:r>
+          </a:p>
+          <a:p>
+            <a:pPr lvl="1"/>
+            <a:r>
               <a:rPr lang="en-US" dirty="0"/>
-              <a:t>Be prompt on your feedback. Set aside 15 minutes immediately after the interview.</a:t>
-            </a:r>
-          </a:p>
-          <a:p>
+              <a:t>Can you tell me about a time you needed to refactor a major change in a codebase?</a:t>
+            </a:r>
+          </a:p>
+          <a:p>
+            <a:pPr lvl="1"/>
             <a:r>
               <a:rPr lang="en-US" dirty="0"/>
-              <a:t>Don't discuss your feedback with others who are also interviewing the same person until you have written out your own thoughts.</a:t>
+              <a:t>Describe a time you needed to begin some green-field development</a:t>
             </a:r>
           </a:p>
           <a:p>
             <a:pPr lvl="1"/>
             <a:r>
               <a:rPr lang="en-US" dirty="0"/>
-              <a:t>Anchoring bias is a big problem!</a:t>
-            </a:r>
+              <a:t>Is there a time you needed to research or learn a brand new language or product while on the job?</a:t>
+            </a:r>
+          </a:p>
+          <a:p>
+            <a:r>
+              <a:rPr lang="en-US" sz="2800" dirty="0"/>
+              <a:t>Ask Yourself</a:t>
+            </a:r>
+          </a:p>
+          <a:p>
+            <a:pPr lvl="1"/>
+            <a:r>
+              <a:rPr lang="en-US" dirty="0"/>
+              <a:t>Low details or high details?</a:t>
+            </a:r>
+          </a:p>
+          <a:p>
+            <a:pPr lvl="1"/>
+            <a:r>
+              <a:rPr lang="en-US" dirty="0"/>
+              <a:t>Limited scope or large scope?</a:t>
+            </a:r>
+          </a:p>
+          <a:p>
+            <a:r>
+              <a:rPr lang="en-US" sz="2800" dirty="0"/>
+              <a:t>Hypothetical Questions for Junior Engineers</a:t>
+            </a:r>
+          </a:p>
+          <a:p>
+            <a:pPr lvl="1"/>
+            <a:endParaRPr lang="en-US" dirty="0"/>
+          </a:p>
+          <a:p>
+            <a:endParaRPr lang="en-US" dirty="0"/>
+          </a:p>
+          <a:p>
+            <a:pPr lvl="1"/>
+            <a:endParaRPr lang="en-US" sz="3000" dirty="0">
+              <a:latin typeface="+mn-lt"/>
+            </a:endParaRPr>
           </a:p>
         </p:txBody>
       </p:sp>
     </p:spTree>
     <p:extLst>
       <p:ext uri="{BB962C8B-B14F-4D97-AF65-F5344CB8AC3E}">
-        <p14:creationId xmlns:p14="http://schemas.microsoft.com/office/powerpoint/2010/main" val="132945970"/>
+        <p14:creationId xmlns:p14="http://schemas.microsoft.com/office/powerpoint/2010/main" val="1731784709"/>
       </p:ext>
     </p:extLst>
   </p:cSld>
@@ -7350,6 +7709,581 @@
                                           <p:spTgt spid="3">
                                             <p:txEl>
                                               <p:pRg st="2" end="2"/>
+                                            </p:txEl>
+                                          </p:spTgt>
+                                        </p:tgtEl>
+                                        <p:attrNameLst>
+                                          <p:attrName>ppt_y</p:attrName>
+                                        </p:attrNameLst>
+                                      </p:cBhvr>
+                                      <p:tavLst>
+                                        <p:tav tm="0">
+                                          <p:val>
+                                            <p:strVal val="#ppt_y+.1"/>
+                                          </p:val>
+                                        </p:tav>
+                                        <p:tav tm="100000">
+                                          <p:val>
+                                            <p:strVal val="#ppt_y"/>
+                                          </p:val>
+                                        </p:tav>
+                                      </p:tavLst>
+                                    </p:anim>
+                                  </p:childTnLst>
+                                </p:cTn>
+                              </p:par>
+                            </p:childTnLst>
+                          </p:cTn>
+                        </p:par>
+                      </p:childTnLst>
+                    </p:cTn>
+                  </p:par>
+                  <p:par>
+                    <p:cTn id="24" fill="hold">
+                      <p:stCondLst>
+                        <p:cond delay="indefinite"/>
+                      </p:stCondLst>
+                      <p:childTnLst>
+                        <p:par>
+                          <p:cTn id="25" fill="hold">
+                            <p:stCondLst>
+                              <p:cond delay="0"/>
+                            </p:stCondLst>
+                            <p:childTnLst>
+                              <p:par>
+                                <p:cTn id="26" presetID="42" presetClass="entr" presetSubtype="0" fill="hold" grpId="0" nodeType="clickEffect">
+                                  <p:stCondLst>
+                                    <p:cond delay="0"/>
+                                  </p:stCondLst>
+                                  <p:childTnLst>
+                                    <p:set>
+                                      <p:cBhvr>
+                                        <p:cTn id="27" dur="1" fill="hold">
+                                          <p:stCondLst>
+                                            <p:cond delay="0"/>
+                                          </p:stCondLst>
+                                        </p:cTn>
+                                        <p:tgtEl>
+                                          <p:spTgt spid="3">
+                                            <p:txEl>
+                                              <p:pRg st="3" end="3"/>
+                                            </p:txEl>
+                                          </p:spTgt>
+                                        </p:tgtEl>
+                                        <p:attrNameLst>
+                                          <p:attrName>style.visibility</p:attrName>
+                                        </p:attrNameLst>
+                                      </p:cBhvr>
+                                      <p:to>
+                                        <p:strVal val="visible"/>
+                                      </p:to>
+                                    </p:set>
+                                    <p:animEffect transition="in" filter="fade">
+                                      <p:cBhvr>
+                                        <p:cTn id="28" dur="1000"/>
+                                        <p:tgtEl>
+                                          <p:spTgt spid="3">
+                                            <p:txEl>
+                                              <p:pRg st="3" end="3"/>
+                                            </p:txEl>
+                                          </p:spTgt>
+                                        </p:tgtEl>
+                                      </p:cBhvr>
+                                    </p:animEffect>
+                                    <p:anim calcmode="lin" valueType="num">
+                                      <p:cBhvr>
+                                        <p:cTn id="29" dur="1000" fill="hold"/>
+                                        <p:tgtEl>
+                                          <p:spTgt spid="3">
+                                            <p:txEl>
+                                              <p:pRg st="3" end="3"/>
+                                            </p:txEl>
+                                          </p:spTgt>
+                                        </p:tgtEl>
+                                        <p:attrNameLst>
+                                          <p:attrName>ppt_x</p:attrName>
+                                        </p:attrNameLst>
+                                      </p:cBhvr>
+                                      <p:tavLst>
+                                        <p:tav tm="0">
+                                          <p:val>
+                                            <p:strVal val="#ppt_x"/>
+                                          </p:val>
+                                        </p:tav>
+                                        <p:tav tm="100000">
+                                          <p:val>
+                                            <p:strVal val="#ppt_x"/>
+                                          </p:val>
+                                        </p:tav>
+                                      </p:tavLst>
+                                    </p:anim>
+                                    <p:anim calcmode="lin" valueType="num">
+                                      <p:cBhvr>
+                                        <p:cTn id="30" dur="1000" fill="hold"/>
+                                        <p:tgtEl>
+                                          <p:spTgt spid="3">
+                                            <p:txEl>
+                                              <p:pRg st="3" end="3"/>
+                                            </p:txEl>
+                                          </p:spTgt>
+                                        </p:tgtEl>
+                                        <p:attrNameLst>
+                                          <p:attrName>ppt_y</p:attrName>
+                                        </p:attrNameLst>
+                                      </p:cBhvr>
+                                      <p:tavLst>
+                                        <p:tav tm="0">
+                                          <p:val>
+                                            <p:strVal val="#ppt_y+.1"/>
+                                          </p:val>
+                                        </p:tav>
+                                        <p:tav tm="100000">
+                                          <p:val>
+                                            <p:strVal val="#ppt_y"/>
+                                          </p:val>
+                                        </p:tav>
+                                      </p:tavLst>
+                                    </p:anim>
+                                  </p:childTnLst>
+                                </p:cTn>
+                              </p:par>
+                            </p:childTnLst>
+                          </p:cTn>
+                        </p:par>
+                      </p:childTnLst>
+                    </p:cTn>
+                  </p:par>
+                  <p:par>
+                    <p:cTn id="31" fill="hold">
+                      <p:stCondLst>
+                        <p:cond delay="indefinite"/>
+                      </p:stCondLst>
+                      <p:childTnLst>
+                        <p:par>
+                          <p:cTn id="32" fill="hold">
+                            <p:stCondLst>
+                              <p:cond delay="0"/>
+                            </p:stCondLst>
+                            <p:childTnLst>
+                              <p:par>
+                                <p:cTn id="33" presetID="42" presetClass="entr" presetSubtype="0" fill="hold" grpId="0" nodeType="clickEffect">
+                                  <p:stCondLst>
+                                    <p:cond delay="0"/>
+                                  </p:stCondLst>
+                                  <p:childTnLst>
+                                    <p:set>
+                                      <p:cBhvr>
+                                        <p:cTn id="34" dur="1" fill="hold">
+                                          <p:stCondLst>
+                                            <p:cond delay="0"/>
+                                          </p:stCondLst>
+                                        </p:cTn>
+                                        <p:tgtEl>
+                                          <p:spTgt spid="3">
+                                            <p:txEl>
+                                              <p:pRg st="4" end="4"/>
+                                            </p:txEl>
+                                          </p:spTgt>
+                                        </p:tgtEl>
+                                        <p:attrNameLst>
+                                          <p:attrName>style.visibility</p:attrName>
+                                        </p:attrNameLst>
+                                      </p:cBhvr>
+                                      <p:to>
+                                        <p:strVal val="visible"/>
+                                      </p:to>
+                                    </p:set>
+                                    <p:animEffect transition="in" filter="fade">
+                                      <p:cBhvr>
+                                        <p:cTn id="35" dur="1000"/>
+                                        <p:tgtEl>
+                                          <p:spTgt spid="3">
+                                            <p:txEl>
+                                              <p:pRg st="4" end="4"/>
+                                            </p:txEl>
+                                          </p:spTgt>
+                                        </p:tgtEl>
+                                      </p:cBhvr>
+                                    </p:animEffect>
+                                    <p:anim calcmode="lin" valueType="num">
+                                      <p:cBhvr>
+                                        <p:cTn id="36" dur="1000" fill="hold"/>
+                                        <p:tgtEl>
+                                          <p:spTgt spid="3">
+                                            <p:txEl>
+                                              <p:pRg st="4" end="4"/>
+                                            </p:txEl>
+                                          </p:spTgt>
+                                        </p:tgtEl>
+                                        <p:attrNameLst>
+                                          <p:attrName>ppt_x</p:attrName>
+                                        </p:attrNameLst>
+                                      </p:cBhvr>
+                                      <p:tavLst>
+                                        <p:tav tm="0">
+                                          <p:val>
+                                            <p:strVal val="#ppt_x"/>
+                                          </p:val>
+                                        </p:tav>
+                                        <p:tav tm="100000">
+                                          <p:val>
+                                            <p:strVal val="#ppt_x"/>
+                                          </p:val>
+                                        </p:tav>
+                                      </p:tavLst>
+                                    </p:anim>
+                                    <p:anim calcmode="lin" valueType="num">
+                                      <p:cBhvr>
+                                        <p:cTn id="37" dur="1000" fill="hold"/>
+                                        <p:tgtEl>
+                                          <p:spTgt spid="3">
+                                            <p:txEl>
+                                              <p:pRg st="4" end="4"/>
+                                            </p:txEl>
+                                          </p:spTgt>
+                                        </p:tgtEl>
+                                        <p:attrNameLst>
+                                          <p:attrName>ppt_y</p:attrName>
+                                        </p:attrNameLst>
+                                      </p:cBhvr>
+                                      <p:tavLst>
+                                        <p:tav tm="0">
+                                          <p:val>
+                                            <p:strVal val="#ppt_y+.1"/>
+                                          </p:val>
+                                        </p:tav>
+                                        <p:tav tm="100000">
+                                          <p:val>
+                                            <p:strVal val="#ppt_y"/>
+                                          </p:val>
+                                        </p:tav>
+                                      </p:tavLst>
+                                    </p:anim>
+                                  </p:childTnLst>
+                                </p:cTn>
+                              </p:par>
+                            </p:childTnLst>
+                          </p:cTn>
+                        </p:par>
+                      </p:childTnLst>
+                    </p:cTn>
+                  </p:par>
+                  <p:par>
+                    <p:cTn id="38" fill="hold">
+                      <p:stCondLst>
+                        <p:cond delay="indefinite"/>
+                      </p:stCondLst>
+                      <p:childTnLst>
+                        <p:par>
+                          <p:cTn id="39" fill="hold">
+                            <p:stCondLst>
+                              <p:cond delay="0"/>
+                            </p:stCondLst>
+                            <p:childTnLst>
+                              <p:par>
+                                <p:cTn id="40" presetID="42" presetClass="entr" presetSubtype="0" fill="hold" grpId="0" nodeType="clickEffect">
+                                  <p:stCondLst>
+                                    <p:cond delay="0"/>
+                                  </p:stCondLst>
+                                  <p:childTnLst>
+                                    <p:set>
+                                      <p:cBhvr>
+                                        <p:cTn id="41" dur="1" fill="hold">
+                                          <p:stCondLst>
+                                            <p:cond delay="0"/>
+                                          </p:stCondLst>
+                                        </p:cTn>
+                                        <p:tgtEl>
+                                          <p:spTgt spid="3">
+                                            <p:txEl>
+                                              <p:pRg st="5" end="5"/>
+                                            </p:txEl>
+                                          </p:spTgt>
+                                        </p:tgtEl>
+                                        <p:attrNameLst>
+                                          <p:attrName>style.visibility</p:attrName>
+                                        </p:attrNameLst>
+                                      </p:cBhvr>
+                                      <p:to>
+                                        <p:strVal val="visible"/>
+                                      </p:to>
+                                    </p:set>
+                                    <p:animEffect transition="in" filter="fade">
+                                      <p:cBhvr>
+                                        <p:cTn id="42" dur="1000"/>
+                                        <p:tgtEl>
+                                          <p:spTgt spid="3">
+                                            <p:txEl>
+                                              <p:pRg st="5" end="5"/>
+                                            </p:txEl>
+                                          </p:spTgt>
+                                        </p:tgtEl>
+                                      </p:cBhvr>
+                                    </p:animEffect>
+                                    <p:anim calcmode="lin" valueType="num">
+                                      <p:cBhvr>
+                                        <p:cTn id="43" dur="1000" fill="hold"/>
+                                        <p:tgtEl>
+                                          <p:spTgt spid="3">
+                                            <p:txEl>
+                                              <p:pRg st="5" end="5"/>
+                                            </p:txEl>
+                                          </p:spTgt>
+                                        </p:tgtEl>
+                                        <p:attrNameLst>
+                                          <p:attrName>ppt_x</p:attrName>
+                                        </p:attrNameLst>
+                                      </p:cBhvr>
+                                      <p:tavLst>
+                                        <p:tav tm="0">
+                                          <p:val>
+                                            <p:strVal val="#ppt_x"/>
+                                          </p:val>
+                                        </p:tav>
+                                        <p:tav tm="100000">
+                                          <p:val>
+                                            <p:strVal val="#ppt_x"/>
+                                          </p:val>
+                                        </p:tav>
+                                      </p:tavLst>
+                                    </p:anim>
+                                    <p:anim calcmode="lin" valueType="num">
+                                      <p:cBhvr>
+                                        <p:cTn id="44" dur="1000" fill="hold"/>
+                                        <p:tgtEl>
+                                          <p:spTgt spid="3">
+                                            <p:txEl>
+                                              <p:pRg st="5" end="5"/>
+                                            </p:txEl>
+                                          </p:spTgt>
+                                        </p:tgtEl>
+                                        <p:attrNameLst>
+                                          <p:attrName>ppt_y</p:attrName>
+                                        </p:attrNameLst>
+                                      </p:cBhvr>
+                                      <p:tavLst>
+                                        <p:tav tm="0">
+                                          <p:val>
+                                            <p:strVal val="#ppt_y+.1"/>
+                                          </p:val>
+                                        </p:tav>
+                                        <p:tav tm="100000">
+                                          <p:val>
+                                            <p:strVal val="#ppt_y"/>
+                                          </p:val>
+                                        </p:tav>
+                                      </p:tavLst>
+                                    </p:anim>
+                                  </p:childTnLst>
+                                </p:cTn>
+                              </p:par>
+                            </p:childTnLst>
+                          </p:cTn>
+                        </p:par>
+                      </p:childTnLst>
+                    </p:cTn>
+                  </p:par>
+                  <p:par>
+                    <p:cTn id="45" fill="hold">
+                      <p:stCondLst>
+                        <p:cond delay="indefinite"/>
+                      </p:stCondLst>
+                      <p:childTnLst>
+                        <p:par>
+                          <p:cTn id="46" fill="hold">
+                            <p:stCondLst>
+                              <p:cond delay="0"/>
+                            </p:stCondLst>
+                            <p:childTnLst>
+                              <p:par>
+                                <p:cTn id="47" presetID="42" presetClass="entr" presetSubtype="0" fill="hold" grpId="0" nodeType="clickEffect">
+                                  <p:stCondLst>
+                                    <p:cond delay="0"/>
+                                  </p:stCondLst>
+                                  <p:childTnLst>
+                                    <p:set>
+                                      <p:cBhvr>
+                                        <p:cTn id="48" dur="1" fill="hold">
+                                          <p:stCondLst>
+                                            <p:cond delay="0"/>
+                                          </p:stCondLst>
+                                        </p:cTn>
+                                        <p:tgtEl>
+                                          <p:spTgt spid="3">
+                                            <p:txEl>
+                                              <p:pRg st="6" end="6"/>
+                                            </p:txEl>
+                                          </p:spTgt>
+                                        </p:tgtEl>
+                                        <p:attrNameLst>
+                                          <p:attrName>style.visibility</p:attrName>
+                                        </p:attrNameLst>
+                                      </p:cBhvr>
+                                      <p:to>
+                                        <p:strVal val="visible"/>
+                                      </p:to>
+                                    </p:set>
+                                    <p:animEffect transition="in" filter="fade">
+                                      <p:cBhvr>
+                                        <p:cTn id="49" dur="1000"/>
+                                        <p:tgtEl>
+                                          <p:spTgt spid="3">
+                                            <p:txEl>
+                                              <p:pRg st="6" end="6"/>
+                                            </p:txEl>
+                                          </p:spTgt>
+                                        </p:tgtEl>
+                                      </p:cBhvr>
+                                    </p:animEffect>
+                                    <p:anim calcmode="lin" valueType="num">
+                                      <p:cBhvr>
+                                        <p:cTn id="50" dur="1000" fill="hold"/>
+                                        <p:tgtEl>
+                                          <p:spTgt spid="3">
+                                            <p:txEl>
+                                              <p:pRg st="6" end="6"/>
+                                            </p:txEl>
+                                          </p:spTgt>
+                                        </p:tgtEl>
+                                        <p:attrNameLst>
+                                          <p:attrName>ppt_x</p:attrName>
+                                        </p:attrNameLst>
+                                      </p:cBhvr>
+                                      <p:tavLst>
+                                        <p:tav tm="0">
+                                          <p:val>
+                                            <p:strVal val="#ppt_x"/>
+                                          </p:val>
+                                        </p:tav>
+                                        <p:tav tm="100000">
+                                          <p:val>
+                                            <p:strVal val="#ppt_x"/>
+                                          </p:val>
+                                        </p:tav>
+                                      </p:tavLst>
+                                    </p:anim>
+                                    <p:anim calcmode="lin" valueType="num">
+                                      <p:cBhvr>
+                                        <p:cTn id="51" dur="1000" fill="hold"/>
+                                        <p:tgtEl>
+                                          <p:spTgt spid="3">
+                                            <p:txEl>
+                                              <p:pRg st="6" end="6"/>
+                                            </p:txEl>
+                                          </p:spTgt>
+                                        </p:tgtEl>
+                                        <p:attrNameLst>
+                                          <p:attrName>ppt_y</p:attrName>
+                                        </p:attrNameLst>
+                                      </p:cBhvr>
+                                      <p:tavLst>
+                                        <p:tav tm="0">
+                                          <p:val>
+                                            <p:strVal val="#ppt_y+.1"/>
+                                          </p:val>
+                                        </p:tav>
+                                        <p:tav tm="100000">
+                                          <p:val>
+                                            <p:strVal val="#ppt_y"/>
+                                          </p:val>
+                                        </p:tav>
+                                      </p:tavLst>
+                                    </p:anim>
+                                  </p:childTnLst>
+                                </p:cTn>
+                              </p:par>
+                            </p:childTnLst>
+                          </p:cTn>
+                        </p:par>
+                      </p:childTnLst>
+                    </p:cTn>
+                  </p:par>
+                  <p:par>
+                    <p:cTn id="52" fill="hold">
+                      <p:stCondLst>
+                        <p:cond delay="indefinite"/>
+                      </p:stCondLst>
+                      <p:childTnLst>
+                        <p:par>
+                          <p:cTn id="53" fill="hold">
+                            <p:stCondLst>
+                              <p:cond delay="0"/>
+                            </p:stCondLst>
+                            <p:childTnLst>
+                              <p:par>
+                                <p:cTn id="54" presetID="42" presetClass="entr" presetSubtype="0" fill="hold" grpId="0" nodeType="clickEffect">
+                                  <p:stCondLst>
+                                    <p:cond delay="0"/>
+                                  </p:stCondLst>
+                                  <p:childTnLst>
+                                    <p:set>
+                                      <p:cBhvr>
+                                        <p:cTn id="55" dur="1" fill="hold">
+                                          <p:stCondLst>
+                                            <p:cond delay="0"/>
+                                          </p:stCondLst>
+                                        </p:cTn>
+                                        <p:tgtEl>
+                                          <p:spTgt spid="3">
+                                            <p:txEl>
+                                              <p:pRg st="7" end="7"/>
+                                            </p:txEl>
+                                          </p:spTgt>
+                                        </p:tgtEl>
+                                        <p:attrNameLst>
+                                          <p:attrName>style.visibility</p:attrName>
+                                        </p:attrNameLst>
+                                      </p:cBhvr>
+                                      <p:to>
+                                        <p:strVal val="visible"/>
+                                      </p:to>
+                                    </p:set>
+                                    <p:animEffect transition="in" filter="fade">
+                                      <p:cBhvr>
+                                        <p:cTn id="56" dur="1000"/>
+                                        <p:tgtEl>
+                                          <p:spTgt spid="3">
+                                            <p:txEl>
+                                              <p:pRg st="7" end="7"/>
+                                            </p:txEl>
+                                          </p:spTgt>
+                                        </p:tgtEl>
+                                      </p:cBhvr>
+                                    </p:animEffect>
+                                    <p:anim calcmode="lin" valueType="num">
+                                      <p:cBhvr>
+                                        <p:cTn id="57" dur="1000" fill="hold"/>
+                                        <p:tgtEl>
+                                          <p:spTgt spid="3">
+                                            <p:txEl>
+                                              <p:pRg st="7" end="7"/>
+                                            </p:txEl>
+                                          </p:spTgt>
+                                        </p:tgtEl>
+                                        <p:attrNameLst>
+                                          <p:attrName>ppt_x</p:attrName>
+                                        </p:attrNameLst>
+                                      </p:cBhvr>
+                                      <p:tavLst>
+                                        <p:tav tm="0">
+                                          <p:val>
+                                            <p:strVal val="#ppt_x"/>
+                                          </p:val>
+                                        </p:tav>
+                                        <p:tav tm="100000">
+                                          <p:val>
+                                            <p:strVal val="#ppt_x"/>
+                                          </p:val>
+                                        </p:tav>
+                                      </p:tavLst>
+                                    </p:anim>
+                                    <p:anim calcmode="lin" valueType="num">
+                                      <p:cBhvr>
+                                        <p:cTn id="58" dur="1000" fill="hold"/>
+                                        <p:tgtEl>
+                                          <p:spTgt spid="3">
+                                            <p:txEl>
+                                              <p:pRg st="7" end="7"/>
                                             </p:txEl>
                                           </p:spTgt>
                                         </p:tgtEl>
@@ -7429,7 +8363,7 @@
           <p:cNvPr id="2" name="Title 1">
             <a:extLst>
               <a:ext uri="{FF2B5EF4-FFF2-40B4-BE49-F238E27FC236}">
-                <a16:creationId xmlns:a16="http://schemas.microsoft.com/office/drawing/2014/main" id="{6DA4D090-927E-4098-A677-F26F968FB9FD}"/>
+                <a16:creationId xmlns:a16="http://schemas.microsoft.com/office/drawing/2014/main" id="{EF37E28E-7A88-411C-9BB5-27C5E2564456}"/>
               </a:ext>
             </a:extLst>
           </p:cNvPr>
@@ -7447,7 +8381,7 @@
           <a:p>
             <a:r>
               <a:rPr lang="en-US" dirty="0"/>
-              <a:t>Interview Feedback</a:t>
+              <a:t>Probing Questions</a:t>
             </a:r>
           </a:p>
         </p:txBody>
@@ -7457,7 +8391,7 @@
           <p:cNvPr id="3" name="Content Placeholder 2">
             <a:extLst>
               <a:ext uri="{FF2B5EF4-FFF2-40B4-BE49-F238E27FC236}">
-                <a16:creationId xmlns:a16="http://schemas.microsoft.com/office/drawing/2014/main" id="{02C06F42-5B80-4F64-A009-C82A004A2AC9}"/>
+                <a16:creationId xmlns:a16="http://schemas.microsoft.com/office/drawing/2014/main" id="{02B87E6D-568A-4775-91CE-C1192044A289}"/>
               </a:ext>
             </a:extLst>
           </p:cNvPr>
@@ -7470,71 +8404,86 @@
         </p:nvSpPr>
         <p:spPr/>
         <p:txBody>
-          <a:bodyPr/>
+          <a:bodyPr>
+            <a:normAutofit fontScale="85000" lnSpcReduction="10000"/>
+          </a:bodyPr>
           <a:lstStyle/>
           <a:p>
+            <a:pPr fontAlgn="ctr"/>
             <a:r>
               <a:rPr lang="en-US" dirty="0"/>
-              <a:t>Effective feedback is similar to performance reviews</a:t>
-            </a:r>
-          </a:p>
-          <a:p>
-            <a:pPr lvl="1" fontAlgn="ctr"/>
+              <a:t>Please give me an overview of the situation (that is, timeframe, role, and so on).</a:t>
+            </a:r>
+          </a:p>
+          <a:p>
+            <a:pPr fontAlgn="ctr"/>
             <a:r>
               <a:rPr lang="en-US" dirty="0"/>
-              <a:t>Relevant</a:t>
-            </a:r>
-          </a:p>
-          <a:p>
-            <a:pPr lvl="1" fontAlgn="ctr"/>
+              <a:t>How did you first get involved?</a:t>
+            </a:r>
+          </a:p>
+          <a:p>
+            <a:pPr fontAlgn="ctr"/>
             <a:r>
               <a:rPr lang="en-US" dirty="0"/>
-              <a:t>Specific</a:t>
-            </a:r>
-          </a:p>
-          <a:p>
-            <a:pPr lvl="1" fontAlgn="ctr"/>
+              <a:t>What were your thoughts at various points during the situation?</a:t>
+            </a:r>
+          </a:p>
+          <a:p>
+            <a:pPr fontAlgn="ctr"/>
             <a:r>
               <a:rPr lang="en-US" dirty="0"/>
-              <a:t>Succinct</a:t>
-            </a:r>
-          </a:p>
-          <a:p>
+              <a:t>What were some of your personal actions or activities? Examples?</a:t>
+            </a:r>
+          </a:p>
+          <a:p>
+            <a:pPr fontAlgn="ctr"/>
             <a:r>
               <a:rPr lang="en-US" dirty="0"/>
-              <a:t>Ineffective Feedback</a:t>
-            </a:r>
-          </a:p>
-          <a:p>
-            <a:pPr lvl="1" fontAlgn="ctr"/>
+              <a:t>Can you describe key conversations from the situation?</a:t>
+            </a:r>
+          </a:p>
+          <a:p>
+            <a:pPr fontAlgn="ctr"/>
             <a:r>
               <a:rPr lang="en-US" dirty="0"/>
-              <a:t>Opinionated</a:t>
-            </a:r>
-          </a:p>
-          <a:p>
-            <a:pPr lvl="1" fontAlgn="ctr"/>
+              <a:t>Did you run into any obstacles? Pick one and tell me how you addressed it.</a:t>
+            </a:r>
+          </a:p>
+          <a:p>
+            <a:pPr fontAlgn="ctr"/>
             <a:r>
               <a:rPr lang="en-US" dirty="0"/>
-              <a:t>Generic</a:t>
-            </a:r>
-          </a:p>
-          <a:p>
-            <a:pPr lvl="1" fontAlgn="ctr"/>
+              <a:t>Can you give me more examples?</a:t>
+            </a:r>
+          </a:p>
+          <a:p>
+            <a:pPr fontAlgn="ctr"/>
             <a:r>
               <a:rPr lang="en-US" dirty="0"/>
-              <a:t>Irrelevant or insufficient details</a:t>
-            </a:r>
-          </a:p>
-          <a:p>
-            <a:endParaRPr lang="en-US" dirty="0"/>
+              <a:t>What was the outcome of the situation?</a:t>
+            </a:r>
+          </a:p>
+          <a:p>
+            <a:pPr fontAlgn="ctr"/>
+            <a:r>
+              <a:rPr lang="en-US" dirty="0"/>
+              <a:t>Looking back at this situation, what would you do differently and/or what are your thoughts?</a:t>
+            </a:r>
+          </a:p>
+          <a:p>
+            <a:pPr fontAlgn="ctr"/>
+            <a:r>
+              <a:rPr lang="en-US" dirty="0"/>
+              <a:t>What did you learn from this situation?</a:t>
+            </a:r>
           </a:p>
         </p:txBody>
       </p:sp>
     </p:spTree>
     <p:extLst>
       <p:ext uri="{BB962C8B-B14F-4D97-AF65-F5344CB8AC3E}">
-        <p14:creationId xmlns:p14="http://schemas.microsoft.com/office/powerpoint/2010/main" val="2067023662"/>
+        <p14:creationId xmlns:p14="http://schemas.microsoft.com/office/powerpoint/2010/main" val="3413371258"/>
       </p:ext>
     </p:extLst>
   </p:cSld>
@@ -8469,6 +9418,236 @@
                       </p:childTnLst>
                     </p:cTn>
                   </p:par>
+                  <p:par>
+                    <p:cTn id="59" fill="hold">
+                      <p:stCondLst>
+                        <p:cond delay="indefinite"/>
+                      </p:stCondLst>
+                      <p:childTnLst>
+                        <p:par>
+                          <p:cTn id="60" fill="hold">
+                            <p:stCondLst>
+                              <p:cond delay="0"/>
+                            </p:stCondLst>
+                            <p:childTnLst>
+                              <p:par>
+                                <p:cTn id="61" presetID="42" presetClass="entr" presetSubtype="0" fill="hold" grpId="0" nodeType="clickEffect">
+                                  <p:stCondLst>
+                                    <p:cond delay="0"/>
+                                  </p:stCondLst>
+                                  <p:childTnLst>
+                                    <p:set>
+                                      <p:cBhvr>
+                                        <p:cTn id="62" dur="1" fill="hold">
+                                          <p:stCondLst>
+                                            <p:cond delay="0"/>
+                                          </p:stCondLst>
+                                        </p:cTn>
+                                        <p:tgtEl>
+                                          <p:spTgt spid="3">
+                                            <p:txEl>
+                                              <p:pRg st="8" end="8"/>
+                                            </p:txEl>
+                                          </p:spTgt>
+                                        </p:tgtEl>
+                                        <p:attrNameLst>
+                                          <p:attrName>style.visibility</p:attrName>
+                                        </p:attrNameLst>
+                                      </p:cBhvr>
+                                      <p:to>
+                                        <p:strVal val="visible"/>
+                                      </p:to>
+                                    </p:set>
+                                    <p:animEffect transition="in" filter="fade">
+                                      <p:cBhvr>
+                                        <p:cTn id="63" dur="1000"/>
+                                        <p:tgtEl>
+                                          <p:spTgt spid="3">
+                                            <p:txEl>
+                                              <p:pRg st="8" end="8"/>
+                                            </p:txEl>
+                                          </p:spTgt>
+                                        </p:tgtEl>
+                                      </p:cBhvr>
+                                    </p:animEffect>
+                                    <p:anim calcmode="lin" valueType="num">
+                                      <p:cBhvr>
+                                        <p:cTn id="64" dur="1000" fill="hold"/>
+                                        <p:tgtEl>
+                                          <p:spTgt spid="3">
+                                            <p:txEl>
+                                              <p:pRg st="8" end="8"/>
+                                            </p:txEl>
+                                          </p:spTgt>
+                                        </p:tgtEl>
+                                        <p:attrNameLst>
+                                          <p:attrName>ppt_x</p:attrName>
+                                        </p:attrNameLst>
+                                      </p:cBhvr>
+                                      <p:tavLst>
+                                        <p:tav tm="0">
+                                          <p:val>
+                                            <p:strVal val="#ppt_x"/>
+                                          </p:val>
+                                        </p:tav>
+                                        <p:tav tm="100000">
+                                          <p:val>
+                                            <p:strVal val="#ppt_x"/>
+                                          </p:val>
+                                        </p:tav>
+                                      </p:tavLst>
+                                    </p:anim>
+                                    <p:anim calcmode="lin" valueType="num">
+                                      <p:cBhvr>
+                                        <p:cTn id="65" dur="1000" fill="hold"/>
+                                        <p:tgtEl>
+                                          <p:spTgt spid="3">
+                                            <p:txEl>
+                                              <p:pRg st="8" end="8"/>
+                                            </p:txEl>
+                                          </p:spTgt>
+                                        </p:tgtEl>
+                                        <p:attrNameLst>
+                                          <p:attrName>ppt_y</p:attrName>
+                                        </p:attrNameLst>
+                                      </p:cBhvr>
+                                      <p:tavLst>
+                                        <p:tav tm="0">
+                                          <p:val>
+                                            <p:strVal val="#ppt_y+.1"/>
+                                          </p:val>
+                                        </p:tav>
+                                        <p:tav tm="100000">
+                                          <p:val>
+                                            <p:strVal val="#ppt_y"/>
+                                          </p:val>
+                                        </p:tav>
+                                      </p:tavLst>
+                                    </p:anim>
+                                  </p:childTnLst>
+                                </p:cTn>
+                              </p:par>
+                            </p:childTnLst>
+                          </p:cTn>
+                        </p:par>
+                      </p:childTnLst>
+                    </p:cTn>
+                  </p:par>
+                  <p:par>
+                    <p:cTn id="66" fill="hold">
+                      <p:stCondLst>
+                        <p:cond delay="indefinite"/>
+                      </p:stCondLst>
+                      <p:childTnLst>
+                        <p:par>
+                          <p:cTn id="67" fill="hold">
+                            <p:stCondLst>
+                              <p:cond delay="0"/>
+                            </p:stCondLst>
+                            <p:childTnLst>
+                              <p:par>
+                                <p:cTn id="68" presetID="42" presetClass="entr" presetSubtype="0" fill="hold" grpId="0" nodeType="clickEffect">
+                                  <p:stCondLst>
+                                    <p:cond delay="0"/>
+                                  </p:stCondLst>
+                                  <p:childTnLst>
+                                    <p:set>
+                                      <p:cBhvr>
+                                        <p:cTn id="69" dur="1" fill="hold">
+                                          <p:stCondLst>
+                                            <p:cond delay="0"/>
+                                          </p:stCondLst>
+                                        </p:cTn>
+                                        <p:tgtEl>
+                                          <p:spTgt spid="3">
+                                            <p:txEl>
+                                              <p:pRg st="9" end="9"/>
+                                            </p:txEl>
+                                          </p:spTgt>
+                                        </p:tgtEl>
+                                        <p:attrNameLst>
+                                          <p:attrName>style.visibility</p:attrName>
+                                        </p:attrNameLst>
+                                      </p:cBhvr>
+                                      <p:to>
+                                        <p:strVal val="visible"/>
+                                      </p:to>
+                                    </p:set>
+                                    <p:animEffect transition="in" filter="fade">
+                                      <p:cBhvr>
+                                        <p:cTn id="70" dur="1000"/>
+                                        <p:tgtEl>
+                                          <p:spTgt spid="3">
+                                            <p:txEl>
+                                              <p:pRg st="9" end="9"/>
+                                            </p:txEl>
+                                          </p:spTgt>
+                                        </p:tgtEl>
+                                      </p:cBhvr>
+                                    </p:animEffect>
+                                    <p:anim calcmode="lin" valueType="num">
+                                      <p:cBhvr>
+                                        <p:cTn id="71" dur="1000" fill="hold"/>
+                                        <p:tgtEl>
+                                          <p:spTgt spid="3">
+                                            <p:txEl>
+                                              <p:pRg st="9" end="9"/>
+                                            </p:txEl>
+                                          </p:spTgt>
+                                        </p:tgtEl>
+                                        <p:attrNameLst>
+                                          <p:attrName>ppt_x</p:attrName>
+                                        </p:attrNameLst>
+                                      </p:cBhvr>
+                                      <p:tavLst>
+                                        <p:tav tm="0">
+                                          <p:val>
+                                            <p:strVal val="#ppt_x"/>
+                                          </p:val>
+                                        </p:tav>
+                                        <p:tav tm="100000">
+                                          <p:val>
+                                            <p:strVal val="#ppt_x"/>
+                                          </p:val>
+                                        </p:tav>
+                                      </p:tavLst>
+                                    </p:anim>
+                                    <p:anim calcmode="lin" valueType="num">
+                                      <p:cBhvr>
+                                        <p:cTn id="72" dur="1000" fill="hold"/>
+                                        <p:tgtEl>
+                                          <p:spTgt spid="3">
+                                            <p:txEl>
+                                              <p:pRg st="9" end="9"/>
+                                            </p:txEl>
+                                          </p:spTgt>
+                                        </p:tgtEl>
+                                        <p:attrNameLst>
+                                          <p:attrName>ppt_y</p:attrName>
+                                        </p:attrNameLst>
+                                      </p:cBhvr>
+                                      <p:tavLst>
+                                        <p:tav tm="0">
+                                          <p:val>
+                                            <p:strVal val="#ppt_y+.1"/>
+                                          </p:val>
+                                        </p:tav>
+                                        <p:tav tm="100000">
+                                          <p:val>
+                                            <p:strVal val="#ppt_y"/>
+                                          </p:val>
+                                        </p:tav>
+                                      </p:tavLst>
+                                    </p:anim>
+                                  </p:childTnLst>
+                                </p:cTn>
+                              </p:par>
+                            </p:childTnLst>
+                          </p:cTn>
+                        </p:par>
+                      </p:childTnLst>
+                    </p:cTn>
+                  </p:par>
                 </p:childTnLst>
               </p:cTn>
               <p:prevCondLst>
@@ -8491,7 +9670,7 @@
       </p:par>
     </p:tnLst>
     <p:bldLst>
-      <p:bldP spid="3" grpId="0" build="p" bldLvl="2"/>
+      <p:bldP spid="3" grpId="0" build="p"/>
     </p:bldLst>
   </p:timing>
 </p:sld>
@@ -9895,7 +11074,7 @@
           <p:cNvPr id="2" name="Title 1">
             <a:extLst>
               <a:ext uri="{FF2B5EF4-FFF2-40B4-BE49-F238E27FC236}">
-                <a16:creationId xmlns:a16="http://schemas.microsoft.com/office/drawing/2014/main" id="{25049A60-8C01-4EDA-962F-55F7506636E0}"/>
+                <a16:creationId xmlns:a16="http://schemas.microsoft.com/office/drawing/2014/main" id="{96245E77-719B-40F6-B522-F7481951CCB6}"/>
               </a:ext>
             </a:extLst>
           </p:cNvPr>
@@ -9913,7 +11092,7 @@
           <a:p>
             <a:r>
               <a:rPr lang="en-US" dirty="0"/>
-              <a:t>Interview Structure</a:t>
+              <a:t>Screen in, not out</a:t>
             </a:r>
           </a:p>
         </p:txBody>
@@ -9923,7 +11102,7 @@
           <p:cNvPr id="3" name="Content Placeholder 2">
             <a:extLst>
               <a:ext uri="{FF2B5EF4-FFF2-40B4-BE49-F238E27FC236}">
-                <a16:creationId xmlns:a16="http://schemas.microsoft.com/office/drawing/2014/main" id="{2EF41252-DD66-425B-9913-6B97AD83AFD6}"/>
+                <a16:creationId xmlns:a16="http://schemas.microsoft.com/office/drawing/2014/main" id="{C14AEA1F-6B6A-404E-B7C9-7E2A988F9629}"/>
               </a:ext>
             </a:extLst>
           </p:cNvPr>
@@ -9937,92 +11116,25 @@
         <p:spPr/>
         <p:txBody>
           <a:bodyPr>
-            <a:normAutofit fontScale="92500" lnSpcReduction="20000"/>
+            <a:normAutofit/>
           </a:bodyPr>
           <a:lstStyle/>
           <a:p>
             <a:r>
               <a:rPr lang="en-US" dirty="0"/>
-              <a:t>Phone interview</a:t>
-            </a:r>
-          </a:p>
-          <a:p>
-            <a:pPr lvl="1"/>
+              <a:t>Focus on what they bring that you need more of on the team</a:t>
+            </a:r>
+          </a:p>
+          <a:p>
             <a:r>
               <a:rPr lang="en-US" dirty="0"/>
-              <a:t>Pre-screen out candidates, could be HR, could be light technical</a:t>
+              <a:t>Evaluate based on the needs of the role, not against the other candidates (best of the worst is not the best)</a:t>
             </a:r>
           </a:p>
           <a:p>
             <a:r>
               <a:rPr lang="en-US" dirty="0"/>
-              <a:t>Interview loops</a:t>
-            </a:r>
-          </a:p>
-          <a:p>
-            <a:pPr lvl="1"/>
-            <a:r>
-              <a:rPr lang="en-US" dirty="0"/>
-              <a:t>4-5 one-hour interviews in the same day</a:t>
-            </a:r>
-          </a:p>
-          <a:p>
-            <a:pPr lvl="1"/>
-            <a:r>
-              <a:rPr lang="en-US" dirty="0"/>
-              <a:t>Each interview is half technical (whiteboard) and half behavioral</a:t>
-            </a:r>
-          </a:p>
-          <a:p>
-            <a:pPr lvl="1"/>
-            <a:r>
-              <a:rPr lang="en-US" dirty="0"/>
-              <a:t>“Big” (Amazon, Google, Microsoft…) companies use these</a:t>
-            </a:r>
-          </a:p>
-          <a:p>
-            <a:r>
-              <a:rPr lang="en-US" dirty="0"/>
-              <a:t>Interview panels</a:t>
-            </a:r>
-          </a:p>
-          <a:p>
-            <a:pPr lvl="1"/>
-            <a:r>
-              <a:rPr lang="en-US" dirty="0"/>
-              <a:t>1-2 hours with 1-4 people</a:t>
-            </a:r>
-          </a:p>
-          <a:p>
-            <a:pPr lvl="1"/>
-            <a:r>
-              <a:rPr lang="en-US" dirty="0"/>
-              <a:t>Wide variety of questions, technical (sometimes whiteboard), </a:t>
-            </a:r>
-            <a:r>
-              <a:rPr lang="en-US" dirty="0" err="1"/>
-              <a:t>behaviorial</a:t>
-            </a:r>
-            <a:endParaRPr lang="en-US" dirty="0"/>
-          </a:p>
-          <a:p>
-            <a:r>
-              <a:rPr lang="en-US" dirty="0"/>
-              <a:t>Take home problems</a:t>
-            </a:r>
-          </a:p>
-          <a:p>
-            <a:pPr lvl="1"/>
-            <a:r>
-              <a:rPr lang="en-US" dirty="0"/>
-              <a:t>Hours-long coding project, often working over the weekend</a:t>
-            </a:r>
-          </a:p>
-          <a:p>
-            <a:pPr lvl="1"/>
-            <a:r>
-              <a:rPr lang="en-US" dirty="0"/>
-              <a:t>Discuss your solution in person</a:t>
+              <a:t>Challenge strong positive or negative reactions and examine assumptions you may be making.</a:t>
             </a:r>
           </a:p>
         </p:txBody>
@@ -10030,7 +11142,7 @@
     </p:spTree>
     <p:extLst>
       <p:ext uri="{BB962C8B-B14F-4D97-AF65-F5344CB8AC3E}">
-        <p14:creationId xmlns:p14="http://schemas.microsoft.com/office/powerpoint/2010/main" val="2965420737"/>
+        <p14:creationId xmlns:p14="http://schemas.microsoft.com/office/powerpoint/2010/main" val="2810842994"/>
       </p:ext>
     </p:extLst>
   </p:cSld>
@@ -10058,7 +11170,7 @@
                             </p:stCondLst>
                             <p:childTnLst>
                               <p:par>
-                                <p:cTn id="5" presetID="1" presetClass="entr" presetSubtype="0" fill="hold" grpId="0" nodeType="clickEffect">
+                                <p:cTn id="5" presetID="42" presetClass="entr" presetSubtype="0" fill="hold" grpId="0" nodeType="clickEffect">
                                   <p:stCondLst>
                                     <p:cond delay="0"/>
                                   </p:stCondLst>
@@ -10085,6 +11197,72 @@
                                         <p:strVal val="visible"/>
                                       </p:to>
                                     </p:set>
+                                    <p:animEffect transition="in" filter="fade">
+                                      <p:cBhvr>
+                                        <p:cTn id="7" dur="1000"/>
+                                        <p:tgtEl>
+                                          <p:spTgt spid="3">
+                                            <p:txEl>
+                                              <p:pRg st="0" end="0"/>
+                                            </p:txEl>
+                                          </p:spTgt>
+                                        </p:tgtEl>
+                                      </p:cBhvr>
+                                    </p:animEffect>
+                                    <p:anim calcmode="lin" valueType="num">
+                                      <p:cBhvr>
+                                        <p:cTn id="8" dur="1000" fill="hold"/>
+                                        <p:tgtEl>
+                                          <p:spTgt spid="3">
+                                            <p:txEl>
+                                              <p:pRg st="0" end="0"/>
+                                            </p:txEl>
+                                          </p:spTgt>
+                                        </p:tgtEl>
+                                        <p:attrNameLst>
+                                          <p:attrName>ppt_x</p:attrName>
+                                        </p:attrNameLst>
+                                      </p:cBhvr>
+                                      <p:tavLst>
+                                        <p:tav tm="0">
+                                          <p:val>
+                                            <p:strVal val="#ppt_x"/>
+                                          </p:val>
+                                        </p:tav>
+                                        <p:tav tm="100000">
+                                          <p:val>
+                                            <p:strVal val="#ppt_x"/>
+                                          </p:val>
+                                        </p:tav>
+                                      </p:tavLst>
+                                    </p:anim>
+                                    <p:anim calcmode="lin" valueType="num">
+                                      <p:cBhvr>
+                                        <p:cTn id="9" dur="1000" fill="hold"/>
+                                        <p:tgtEl>
+                                          <p:spTgt spid="3">
+                                            <p:txEl>
+                                              <p:pRg st="0" end="0"/>
+                                            </p:txEl>
+                                          </p:spTgt>
+                                        </p:tgtEl>
+                                        <p:attrNameLst>
+                                          <p:attrName>ppt_y</p:attrName>
+                                        </p:attrNameLst>
+                                      </p:cBhvr>
+                                      <p:tavLst>
+                                        <p:tav tm="0">
+                                          <p:val>
+                                            <p:strVal val="#ppt_y+.1"/>
+                                          </p:val>
+                                        </p:tav>
+                                        <p:tav tm="100000">
+                                          <p:val>
+                                            <p:strVal val="#ppt_y"/>
+                                          </p:val>
+                                        </p:tav>
+                                      </p:tavLst>
+                                    </p:anim>
                                   </p:childTnLst>
                                 </p:cTn>
                               </p:par>
@@ -10095,26 +11273,26 @@
                     </p:cTn>
                   </p:par>
                   <p:par>
-                    <p:cTn id="7" fill="hold">
+                    <p:cTn id="10" fill="hold">
                       <p:stCondLst>
                         <p:cond delay="indefinite"/>
                       </p:stCondLst>
                       <p:childTnLst>
                         <p:par>
-                          <p:cTn id="8" fill="hold">
+                          <p:cTn id="11" fill="hold">
                             <p:stCondLst>
                               <p:cond delay="0"/>
                             </p:stCondLst>
                             <p:childTnLst>
                               <p:par>
-                                <p:cTn id="9" presetID="1" presetClass="entr" presetSubtype="0" fill="hold" grpId="0" nodeType="clickEffect">
+                                <p:cTn id="12" presetID="42" presetClass="entr" presetSubtype="0" fill="hold" grpId="0" nodeType="clickEffect">
                                   <p:stCondLst>
                                     <p:cond delay="0"/>
                                   </p:stCondLst>
                                   <p:childTnLst>
                                     <p:set>
                                       <p:cBhvr>
-                                        <p:cTn id="10" dur="1" fill="hold">
+                                        <p:cTn id="13" dur="1" fill="hold">
                                           <p:stCondLst>
                                             <p:cond delay="0"/>
                                           </p:stCondLst>
@@ -10134,6 +11312,72 @@
                                         <p:strVal val="visible"/>
                                       </p:to>
                                     </p:set>
+                                    <p:animEffect transition="in" filter="fade">
+                                      <p:cBhvr>
+                                        <p:cTn id="14" dur="1000"/>
+                                        <p:tgtEl>
+                                          <p:spTgt spid="3">
+                                            <p:txEl>
+                                              <p:pRg st="1" end="1"/>
+                                            </p:txEl>
+                                          </p:spTgt>
+                                        </p:tgtEl>
+                                      </p:cBhvr>
+                                    </p:animEffect>
+                                    <p:anim calcmode="lin" valueType="num">
+                                      <p:cBhvr>
+                                        <p:cTn id="15" dur="1000" fill="hold"/>
+                                        <p:tgtEl>
+                                          <p:spTgt spid="3">
+                                            <p:txEl>
+                                              <p:pRg st="1" end="1"/>
+                                            </p:txEl>
+                                          </p:spTgt>
+                                        </p:tgtEl>
+                                        <p:attrNameLst>
+                                          <p:attrName>ppt_x</p:attrName>
+                                        </p:attrNameLst>
+                                      </p:cBhvr>
+                                      <p:tavLst>
+                                        <p:tav tm="0">
+                                          <p:val>
+                                            <p:strVal val="#ppt_x"/>
+                                          </p:val>
+                                        </p:tav>
+                                        <p:tav tm="100000">
+                                          <p:val>
+                                            <p:strVal val="#ppt_x"/>
+                                          </p:val>
+                                        </p:tav>
+                                      </p:tavLst>
+                                    </p:anim>
+                                    <p:anim calcmode="lin" valueType="num">
+                                      <p:cBhvr>
+                                        <p:cTn id="16" dur="1000" fill="hold"/>
+                                        <p:tgtEl>
+                                          <p:spTgt spid="3">
+                                            <p:txEl>
+                                              <p:pRg st="1" end="1"/>
+                                            </p:txEl>
+                                          </p:spTgt>
+                                        </p:tgtEl>
+                                        <p:attrNameLst>
+                                          <p:attrName>ppt_y</p:attrName>
+                                        </p:attrNameLst>
+                                      </p:cBhvr>
+                                      <p:tavLst>
+                                        <p:tav tm="0">
+                                          <p:val>
+                                            <p:strVal val="#ppt_y+.1"/>
+                                          </p:val>
+                                        </p:tav>
+                                        <p:tav tm="100000">
+                                          <p:val>
+                                            <p:strVal val="#ppt_y"/>
+                                          </p:val>
+                                        </p:tav>
+                                      </p:tavLst>
+                                    </p:anim>
                                   </p:childTnLst>
                                 </p:cTn>
                               </p:par>
@@ -10144,26 +11388,26 @@
                     </p:cTn>
                   </p:par>
                   <p:par>
-                    <p:cTn id="11" fill="hold">
+                    <p:cTn id="17" fill="hold">
                       <p:stCondLst>
                         <p:cond delay="indefinite"/>
                       </p:stCondLst>
                       <p:childTnLst>
                         <p:par>
-                          <p:cTn id="12" fill="hold">
+                          <p:cTn id="18" fill="hold">
                             <p:stCondLst>
                               <p:cond delay="0"/>
                             </p:stCondLst>
                             <p:childTnLst>
                               <p:par>
-                                <p:cTn id="13" presetID="1" presetClass="entr" presetSubtype="0" fill="hold" grpId="0" nodeType="clickEffect">
+                                <p:cTn id="19" presetID="42" presetClass="entr" presetSubtype="0" fill="hold" grpId="0" nodeType="clickEffect">
                                   <p:stCondLst>
                                     <p:cond delay="0"/>
                                   </p:stCondLst>
                                   <p:childTnLst>
                                     <p:set>
                                       <p:cBhvr>
-                                        <p:cTn id="14" dur="1" fill="hold">
+                                        <p:cTn id="20" dur="1" fill="hold">
                                           <p:stCondLst>
                                             <p:cond delay="0"/>
                                           </p:stCondLst>
@@ -10183,447 +11427,72 @@
                                         <p:strVal val="visible"/>
                                       </p:to>
                                     </p:set>
-                                  </p:childTnLst>
-                                </p:cTn>
-                              </p:par>
-                            </p:childTnLst>
-                          </p:cTn>
-                        </p:par>
-                      </p:childTnLst>
-                    </p:cTn>
-                  </p:par>
-                  <p:par>
-                    <p:cTn id="15" fill="hold">
-                      <p:stCondLst>
-                        <p:cond delay="indefinite"/>
-                      </p:stCondLst>
-                      <p:childTnLst>
-                        <p:par>
-                          <p:cTn id="16" fill="hold">
-                            <p:stCondLst>
-                              <p:cond delay="0"/>
-                            </p:stCondLst>
-                            <p:childTnLst>
-                              <p:par>
-                                <p:cTn id="17" presetID="1" presetClass="entr" presetSubtype="0" fill="hold" grpId="0" nodeType="clickEffect">
-                                  <p:stCondLst>
-                                    <p:cond delay="0"/>
-                                  </p:stCondLst>
-                                  <p:childTnLst>
-                                    <p:set>
-                                      <p:cBhvr>
-                                        <p:cTn id="18" dur="1" fill="hold">
-                                          <p:stCondLst>
-                                            <p:cond delay="0"/>
-                                          </p:stCondLst>
-                                        </p:cTn>
-                                        <p:tgtEl>
-                                          <p:spTgt spid="3">
-                                            <p:txEl>
-                                              <p:pRg st="3" end="3"/>
-                                            </p:txEl>
-                                          </p:spTgt>
-                                        </p:tgtEl>
-                                        <p:attrNameLst>
-                                          <p:attrName>style.visibility</p:attrName>
-                                        </p:attrNameLst>
-                                      </p:cBhvr>
-                                      <p:to>
-                                        <p:strVal val="visible"/>
-                                      </p:to>
-                                    </p:set>
-                                  </p:childTnLst>
-                                </p:cTn>
-                              </p:par>
-                            </p:childTnLst>
-                          </p:cTn>
-                        </p:par>
-                      </p:childTnLst>
-                    </p:cTn>
-                  </p:par>
-                  <p:par>
-                    <p:cTn id="19" fill="hold">
-                      <p:stCondLst>
-                        <p:cond delay="indefinite"/>
-                      </p:stCondLst>
-                      <p:childTnLst>
-                        <p:par>
-                          <p:cTn id="20" fill="hold">
-                            <p:stCondLst>
-                              <p:cond delay="0"/>
-                            </p:stCondLst>
-                            <p:childTnLst>
-                              <p:par>
-                                <p:cTn id="21" presetID="1" presetClass="entr" presetSubtype="0" fill="hold" grpId="0" nodeType="clickEffect">
-                                  <p:stCondLst>
-                                    <p:cond delay="0"/>
-                                  </p:stCondLst>
-                                  <p:childTnLst>
-                                    <p:set>
-                                      <p:cBhvr>
-                                        <p:cTn id="22" dur="1" fill="hold">
-                                          <p:stCondLst>
-                                            <p:cond delay="0"/>
-                                          </p:stCondLst>
-                                        </p:cTn>
-                                        <p:tgtEl>
-                                          <p:spTgt spid="3">
-                                            <p:txEl>
-                                              <p:pRg st="4" end="4"/>
-                                            </p:txEl>
-                                          </p:spTgt>
-                                        </p:tgtEl>
-                                        <p:attrNameLst>
-                                          <p:attrName>style.visibility</p:attrName>
-                                        </p:attrNameLst>
-                                      </p:cBhvr>
-                                      <p:to>
-                                        <p:strVal val="visible"/>
-                                      </p:to>
-                                    </p:set>
-                                  </p:childTnLst>
-                                </p:cTn>
-                              </p:par>
-                            </p:childTnLst>
-                          </p:cTn>
-                        </p:par>
-                      </p:childTnLst>
-                    </p:cTn>
-                  </p:par>
-                  <p:par>
-                    <p:cTn id="23" fill="hold">
-                      <p:stCondLst>
-                        <p:cond delay="indefinite"/>
-                      </p:stCondLst>
-                      <p:childTnLst>
-                        <p:par>
-                          <p:cTn id="24" fill="hold">
-                            <p:stCondLst>
-                              <p:cond delay="0"/>
-                            </p:stCondLst>
-                            <p:childTnLst>
-                              <p:par>
-                                <p:cTn id="25" presetID="1" presetClass="entr" presetSubtype="0" fill="hold" grpId="0" nodeType="clickEffect">
-                                  <p:stCondLst>
-                                    <p:cond delay="0"/>
-                                  </p:stCondLst>
-                                  <p:childTnLst>
-                                    <p:set>
-                                      <p:cBhvr>
-                                        <p:cTn id="26" dur="1" fill="hold">
-                                          <p:stCondLst>
-                                            <p:cond delay="0"/>
-                                          </p:stCondLst>
-                                        </p:cTn>
-                                        <p:tgtEl>
-                                          <p:spTgt spid="3">
-                                            <p:txEl>
-                                              <p:pRg st="5" end="5"/>
-                                            </p:txEl>
-                                          </p:spTgt>
-                                        </p:tgtEl>
-                                        <p:attrNameLst>
-                                          <p:attrName>style.visibility</p:attrName>
-                                        </p:attrNameLst>
-                                      </p:cBhvr>
-                                      <p:to>
-                                        <p:strVal val="visible"/>
-                                      </p:to>
-                                    </p:set>
-                                  </p:childTnLst>
-                                </p:cTn>
-                              </p:par>
-                            </p:childTnLst>
-                          </p:cTn>
-                        </p:par>
-                      </p:childTnLst>
-                    </p:cTn>
-                  </p:par>
-                  <p:par>
-                    <p:cTn id="27" fill="hold">
-                      <p:stCondLst>
-                        <p:cond delay="indefinite"/>
-                      </p:stCondLst>
-                      <p:childTnLst>
-                        <p:par>
-                          <p:cTn id="28" fill="hold">
-                            <p:stCondLst>
-                              <p:cond delay="0"/>
-                            </p:stCondLst>
-                            <p:childTnLst>
-                              <p:par>
-                                <p:cTn id="29" presetID="1" presetClass="entr" presetSubtype="0" fill="hold" grpId="0" nodeType="clickEffect">
-                                  <p:stCondLst>
-                                    <p:cond delay="0"/>
-                                  </p:stCondLst>
-                                  <p:childTnLst>
-                                    <p:set>
-                                      <p:cBhvr>
-                                        <p:cTn id="30" dur="1" fill="hold">
-                                          <p:stCondLst>
-                                            <p:cond delay="0"/>
-                                          </p:stCondLst>
-                                        </p:cTn>
-                                        <p:tgtEl>
-                                          <p:spTgt spid="3">
-                                            <p:txEl>
-                                              <p:pRg st="6" end="6"/>
-                                            </p:txEl>
-                                          </p:spTgt>
-                                        </p:tgtEl>
-                                        <p:attrNameLst>
-                                          <p:attrName>style.visibility</p:attrName>
-                                        </p:attrNameLst>
-                                      </p:cBhvr>
-                                      <p:to>
-                                        <p:strVal val="visible"/>
-                                      </p:to>
-                                    </p:set>
-                                  </p:childTnLst>
-                                </p:cTn>
-                              </p:par>
-                            </p:childTnLst>
-                          </p:cTn>
-                        </p:par>
-                      </p:childTnLst>
-                    </p:cTn>
-                  </p:par>
-                  <p:par>
-                    <p:cTn id="31" fill="hold">
-                      <p:stCondLst>
-                        <p:cond delay="indefinite"/>
-                      </p:stCondLst>
-                      <p:childTnLst>
-                        <p:par>
-                          <p:cTn id="32" fill="hold">
-                            <p:stCondLst>
-                              <p:cond delay="0"/>
-                            </p:stCondLst>
-                            <p:childTnLst>
-                              <p:par>
-                                <p:cTn id="33" presetID="1" presetClass="entr" presetSubtype="0" fill="hold" grpId="0" nodeType="clickEffect">
-                                  <p:stCondLst>
-                                    <p:cond delay="0"/>
-                                  </p:stCondLst>
-                                  <p:childTnLst>
-                                    <p:set>
-                                      <p:cBhvr>
-                                        <p:cTn id="34" dur="1" fill="hold">
-                                          <p:stCondLst>
-                                            <p:cond delay="0"/>
-                                          </p:stCondLst>
-                                        </p:cTn>
-                                        <p:tgtEl>
-                                          <p:spTgt spid="3">
-                                            <p:txEl>
-                                              <p:pRg st="7" end="7"/>
-                                            </p:txEl>
-                                          </p:spTgt>
-                                        </p:tgtEl>
-                                        <p:attrNameLst>
-                                          <p:attrName>style.visibility</p:attrName>
-                                        </p:attrNameLst>
-                                      </p:cBhvr>
-                                      <p:to>
-                                        <p:strVal val="visible"/>
-                                      </p:to>
-                                    </p:set>
-                                  </p:childTnLst>
-                                </p:cTn>
-                              </p:par>
-                            </p:childTnLst>
-                          </p:cTn>
-                        </p:par>
-                      </p:childTnLst>
-                    </p:cTn>
-                  </p:par>
-                  <p:par>
-                    <p:cTn id="35" fill="hold">
-                      <p:stCondLst>
-                        <p:cond delay="indefinite"/>
-                      </p:stCondLst>
-                      <p:childTnLst>
-                        <p:par>
-                          <p:cTn id="36" fill="hold">
-                            <p:stCondLst>
-                              <p:cond delay="0"/>
-                            </p:stCondLst>
-                            <p:childTnLst>
-                              <p:par>
-                                <p:cTn id="37" presetID="1" presetClass="entr" presetSubtype="0" fill="hold" grpId="0" nodeType="clickEffect">
-                                  <p:stCondLst>
-                                    <p:cond delay="0"/>
-                                  </p:stCondLst>
-                                  <p:childTnLst>
-                                    <p:set>
-                                      <p:cBhvr>
-                                        <p:cTn id="38" dur="1" fill="hold">
-                                          <p:stCondLst>
-                                            <p:cond delay="0"/>
-                                          </p:stCondLst>
-                                        </p:cTn>
-                                        <p:tgtEl>
-                                          <p:spTgt spid="3">
-                                            <p:txEl>
-                                              <p:pRg st="8" end="8"/>
-                                            </p:txEl>
-                                          </p:spTgt>
-                                        </p:tgtEl>
-                                        <p:attrNameLst>
-                                          <p:attrName>style.visibility</p:attrName>
-                                        </p:attrNameLst>
-                                      </p:cBhvr>
-                                      <p:to>
-                                        <p:strVal val="visible"/>
-                                      </p:to>
-                                    </p:set>
-                                  </p:childTnLst>
-                                </p:cTn>
-                              </p:par>
-                            </p:childTnLst>
-                          </p:cTn>
-                        </p:par>
-                      </p:childTnLst>
-                    </p:cTn>
-                  </p:par>
-                  <p:par>
-                    <p:cTn id="39" fill="hold">
-                      <p:stCondLst>
-                        <p:cond delay="indefinite"/>
-                      </p:stCondLst>
-                      <p:childTnLst>
-                        <p:par>
-                          <p:cTn id="40" fill="hold">
-                            <p:stCondLst>
-                              <p:cond delay="0"/>
-                            </p:stCondLst>
-                            <p:childTnLst>
-                              <p:par>
-                                <p:cTn id="41" presetID="1" presetClass="entr" presetSubtype="0" fill="hold" grpId="0" nodeType="clickEffect">
-                                  <p:stCondLst>
-                                    <p:cond delay="0"/>
-                                  </p:stCondLst>
-                                  <p:childTnLst>
-                                    <p:set>
-                                      <p:cBhvr>
-                                        <p:cTn id="42" dur="1" fill="hold">
-                                          <p:stCondLst>
-                                            <p:cond delay="0"/>
-                                          </p:stCondLst>
-                                        </p:cTn>
-                                        <p:tgtEl>
-                                          <p:spTgt spid="3">
-                                            <p:txEl>
-                                              <p:pRg st="9" end="9"/>
-                                            </p:txEl>
-                                          </p:spTgt>
-                                        </p:tgtEl>
-                                        <p:attrNameLst>
-                                          <p:attrName>style.visibility</p:attrName>
-                                        </p:attrNameLst>
-                                      </p:cBhvr>
-                                      <p:to>
-                                        <p:strVal val="visible"/>
-                                      </p:to>
-                                    </p:set>
-                                  </p:childTnLst>
-                                </p:cTn>
-                              </p:par>
-                            </p:childTnLst>
-                          </p:cTn>
-                        </p:par>
-                      </p:childTnLst>
-                    </p:cTn>
-                  </p:par>
-                  <p:par>
-                    <p:cTn id="43" fill="hold">
-                      <p:stCondLst>
-                        <p:cond delay="indefinite"/>
-                      </p:stCondLst>
-                      <p:childTnLst>
-                        <p:par>
-                          <p:cTn id="44" fill="hold">
-                            <p:stCondLst>
-                              <p:cond delay="0"/>
-                            </p:stCondLst>
-                            <p:childTnLst>
-                              <p:par>
-                                <p:cTn id="45" presetID="1" presetClass="entr" presetSubtype="0" fill="hold" grpId="0" nodeType="clickEffect">
-                                  <p:stCondLst>
-                                    <p:cond delay="0"/>
-                                  </p:stCondLst>
-                                  <p:childTnLst>
-                                    <p:set>
-                                      <p:cBhvr>
-                                        <p:cTn id="46" dur="1" fill="hold">
-                                          <p:stCondLst>
-                                            <p:cond delay="0"/>
-                                          </p:stCondLst>
-                                        </p:cTn>
-                                        <p:tgtEl>
-                                          <p:spTgt spid="3">
-                                            <p:txEl>
-                                              <p:pRg st="10" end="10"/>
-                                            </p:txEl>
-                                          </p:spTgt>
-                                        </p:tgtEl>
-                                        <p:attrNameLst>
-                                          <p:attrName>style.visibility</p:attrName>
-                                        </p:attrNameLst>
-                                      </p:cBhvr>
-                                      <p:to>
-                                        <p:strVal val="visible"/>
-                                      </p:to>
-                                    </p:set>
-                                  </p:childTnLst>
-                                </p:cTn>
-                              </p:par>
-                            </p:childTnLst>
-                          </p:cTn>
-                        </p:par>
-                      </p:childTnLst>
-                    </p:cTn>
-                  </p:par>
-                  <p:par>
-                    <p:cTn id="47" fill="hold">
-                      <p:stCondLst>
-                        <p:cond delay="indefinite"/>
-                      </p:stCondLst>
-                      <p:childTnLst>
-                        <p:par>
-                          <p:cTn id="48" fill="hold">
-                            <p:stCondLst>
-                              <p:cond delay="0"/>
-                            </p:stCondLst>
-                            <p:childTnLst>
-                              <p:par>
-                                <p:cTn id="49" presetID="1" presetClass="entr" presetSubtype="0" fill="hold" grpId="0" nodeType="clickEffect">
-                                  <p:stCondLst>
-                                    <p:cond delay="0"/>
-                                  </p:stCondLst>
-                                  <p:childTnLst>
-                                    <p:set>
-                                      <p:cBhvr>
-                                        <p:cTn id="50" dur="1" fill="hold">
-                                          <p:stCondLst>
-                                            <p:cond delay="0"/>
-                                          </p:stCondLst>
-                                        </p:cTn>
-                                        <p:tgtEl>
-                                          <p:spTgt spid="3">
-                                            <p:txEl>
-                                              <p:pRg st="11" end="11"/>
-                                            </p:txEl>
-                                          </p:spTgt>
-                                        </p:tgtEl>
-                                        <p:attrNameLst>
-                                          <p:attrName>style.visibility</p:attrName>
-                                        </p:attrNameLst>
-                                      </p:cBhvr>
-                                      <p:to>
-                                        <p:strVal val="visible"/>
-                                      </p:to>
-                                    </p:set>
+                                    <p:animEffect transition="in" filter="fade">
+                                      <p:cBhvr>
+                                        <p:cTn id="21" dur="1000"/>
+                                        <p:tgtEl>
+                                          <p:spTgt spid="3">
+                                            <p:txEl>
+                                              <p:pRg st="2" end="2"/>
+                                            </p:txEl>
+                                          </p:spTgt>
+                                        </p:tgtEl>
+                                      </p:cBhvr>
+                                    </p:animEffect>
+                                    <p:anim calcmode="lin" valueType="num">
+                                      <p:cBhvr>
+                                        <p:cTn id="22" dur="1000" fill="hold"/>
+                                        <p:tgtEl>
+                                          <p:spTgt spid="3">
+                                            <p:txEl>
+                                              <p:pRg st="2" end="2"/>
+                                            </p:txEl>
+                                          </p:spTgt>
+                                        </p:tgtEl>
+                                        <p:attrNameLst>
+                                          <p:attrName>ppt_x</p:attrName>
+                                        </p:attrNameLst>
+                                      </p:cBhvr>
+                                      <p:tavLst>
+                                        <p:tav tm="0">
+                                          <p:val>
+                                            <p:strVal val="#ppt_x"/>
+                                          </p:val>
+                                        </p:tav>
+                                        <p:tav tm="100000">
+                                          <p:val>
+                                            <p:strVal val="#ppt_x"/>
+                                          </p:val>
+                                        </p:tav>
+                                      </p:tavLst>
+                                    </p:anim>
+                                    <p:anim calcmode="lin" valueType="num">
+                                      <p:cBhvr>
+                                        <p:cTn id="23" dur="1000" fill="hold"/>
+                                        <p:tgtEl>
+                                          <p:spTgt spid="3">
+                                            <p:txEl>
+                                              <p:pRg st="2" end="2"/>
+                                            </p:txEl>
+                                          </p:spTgt>
+                                        </p:tgtEl>
+                                        <p:attrNameLst>
+                                          <p:attrName>ppt_y</p:attrName>
+                                        </p:attrNameLst>
+                                      </p:cBhvr>
+                                      <p:tavLst>
+                                        <p:tav tm="0">
+                                          <p:val>
+                                            <p:strVal val="#ppt_y+.1"/>
+                                          </p:val>
+                                        </p:tav>
+                                        <p:tav tm="100000">
+                                          <p:val>
+                                            <p:strVal val="#ppt_y"/>
+                                          </p:val>
+                                        </p:tav>
+                                      </p:tavLst>
+                                    </p:anim>
                                   </p:childTnLst>
                                 </p:cTn>
                               </p:par>
@@ -10683,7 +11552,7 @@
           <p:cNvPr id="2" name="Title 1">
             <a:extLst>
               <a:ext uri="{FF2B5EF4-FFF2-40B4-BE49-F238E27FC236}">
-                <a16:creationId xmlns:a16="http://schemas.microsoft.com/office/drawing/2014/main" id="{7C7F56EA-3089-435B-B4E9-934C23755219}"/>
+                <a16:creationId xmlns:a16="http://schemas.microsoft.com/office/drawing/2014/main" id="{96245E77-719B-40F6-B522-F7481951CCB6}"/>
               </a:ext>
             </a:extLst>
           </p:cNvPr>
@@ -10701,7 +11570,7 @@
           <a:p>
             <a:r>
               <a:rPr lang="en-US" dirty="0"/>
-              <a:t>Behavioral and Hypothetical Questions</a:t>
+              <a:t>Overcoming Pitfalls</a:t>
             </a:r>
           </a:p>
         </p:txBody>
@@ -10711,7 +11580,7 @@
           <p:cNvPr id="3" name="Content Placeholder 2">
             <a:extLst>
               <a:ext uri="{FF2B5EF4-FFF2-40B4-BE49-F238E27FC236}">
-                <a16:creationId xmlns:a16="http://schemas.microsoft.com/office/drawing/2014/main" id="{C95C9A4D-A530-4A74-A0D8-B686BD140884}"/>
+                <a16:creationId xmlns:a16="http://schemas.microsoft.com/office/drawing/2014/main" id="{C14AEA1F-6B6A-404E-B7C9-7E2A988F9629}"/>
               </a:ext>
             </a:extLst>
           </p:cNvPr>
@@ -10722,91 +11591,61 @@
             <p:ph idx="1"/>
           </p:nvPr>
         </p:nvSpPr>
-        <p:spPr>
-          <a:xfrm>
-            <a:off x="1103312" y="2052918"/>
-            <a:ext cx="10098088" cy="4568169"/>
-          </a:xfrm>
-        </p:spPr>
+        <p:spPr/>
         <p:txBody>
           <a:bodyPr>
-            <a:normAutofit/>
+            <a:normAutofit lnSpcReduction="10000"/>
           </a:bodyPr>
           <a:lstStyle/>
           <a:p>
-            <a:r>
-              <a:rPr lang="en-US" sz="2800" dirty="0">
-                <a:latin typeface="+mn-lt"/>
-              </a:rPr>
-              <a:t>Behavioral Questions</a:t>
-            </a:r>
-          </a:p>
-          <a:p>
-            <a:pPr lvl="1"/>
+            <a:pPr fontAlgn="ctr"/>
+            <a:r>
+              <a:rPr lang="en-US" sz="2800" dirty="0"/>
+              <a:t>Mini-me</a:t>
+            </a:r>
+            <a:endParaRPr lang="en-US" dirty="0"/>
+          </a:p>
+          <a:p>
+            <a:pPr lvl="1" fontAlgn="ctr"/>
             <a:r>
               <a:rPr lang="en-US" dirty="0"/>
-              <a:t>Can you tell me about a time you needed to refactor a major change in a codebase?</a:t>
-            </a:r>
-          </a:p>
-          <a:p>
-            <a:pPr lvl="1"/>
+              <a:t>Looking for people/resumes that are just like yourself. Don't underestimate uniqueness</a:t>
+            </a:r>
+          </a:p>
+          <a:p>
+            <a:pPr fontAlgn="ctr"/>
+            <a:r>
+              <a:rPr lang="en-US" sz="2800" dirty="0"/>
+              <a:t>Halo-effect</a:t>
+            </a:r>
+          </a:p>
+          <a:p>
+            <a:pPr lvl="1" fontAlgn="ctr"/>
             <a:r>
               <a:rPr lang="en-US" dirty="0"/>
-              <a:t>Describe a time you needed to begin some green-field development</a:t>
-            </a:r>
-          </a:p>
-          <a:p>
-            <a:pPr lvl="1"/>
+              <a:t>Getting locked in a single aspect of the person, appearance, credentials, interests, etc., that would then cause you to be less probing on other questions or more favorable in the interview feedback as a whole</a:t>
+            </a:r>
+          </a:p>
+          <a:p>
+            <a:pPr fontAlgn="ctr"/>
+            <a:r>
+              <a:rPr lang="en-US" sz="2800" dirty="0"/>
+              <a:t>Hidden Fear</a:t>
+            </a:r>
+          </a:p>
+          <a:p>
+            <a:pPr lvl="1" fontAlgn="ctr"/>
             <a:r>
               <a:rPr lang="en-US" dirty="0"/>
-              <a:t>Is there a time you needed to research or learn a brand new language or product while on the job?</a:t>
-            </a:r>
-          </a:p>
-          <a:p>
-            <a:r>
-              <a:rPr lang="en-US" sz="2800" dirty="0"/>
-              <a:t>Ask Yourself</a:t>
-            </a:r>
-          </a:p>
-          <a:p>
-            <a:pPr lvl="1"/>
-            <a:r>
-              <a:rPr lang="en-US" dirty="0"/>
-              <a:t>Low details or high details?</a:t>
-            </a:r>
-          </a:p>
-          <a:p>
-            <a:pPr lvl="1"/>
-            <a:r>
-              <a:rPr lang="en-US" dirty="0"/>
-              <a:t>Limited scope or large scope?</a:t>
-            </a:r>
-          </a:p>
-          <a:p>
-            <a:r>
-              <a:rPr lang="en-US" sz="2800" dirty="0"/>
-              <a:t>Hypothetical Questions for Junior Engineers</a:t>
-            </a:r>
-          </a:p>
-          <a:p>
-            <a:pPr lvl="1"/>
-            <a:endParaRPr lang="en-US" dirty="0"/>
-          </a:p>
-          <a:p>
-            <a:endParaRPr lang="en-US" dirty="0"/>
-          </a:p>
-          <a:p>
-            <a:pPr lvl="1"/>
-            <a:endParaRPr lang="en-US" sz="3000" dirty="0">
-              <a:latin typeface="+mn-lt"/>
-            </a:endParaRPr>
+              <a:t>What if they are better than me? Think instead how could learn from this person and how they could make your team as a whole even better.</a:t>
+            </a:r>
           </a:p>
         </p:txBody>
       </p:sp>
     </p:spTree>
     <p:extLst>
       <p:ext uri="{BB962C8B-B14F-4D97-AF65-F5344CB8AC3E}">
-        <p14:creationId xmlns:p14="http://schemas.microsoft.com/office/powerpoint/2010/main" val="2134727409"/>
+        <p14:creationId xmlns:p14="http://schemas.microsoft.com/office/powerpoint/2010/main" val="4186197606"/>
       </p:ext>
     </p:extLst>
   </p:cSld>
@@ -11482,236 +12321,6 @@
                                           <p:spTgt spid="3">
                                             <p:txEl>
                                               <p:pRg st="5" end="5"/>
-                                            </p:txEl>
-                                          </p:spTgt>
-                                        </p:tgtEl>
-                                        <p:attrNameLst>
-                                          <p:attrName>ppt_y</p:attrName>
-                                        </p:attrNameLst>
-                                      </p:cBhvr>
-                                      <p:tavLst>
-                                        <p:tav tm="0">
-                                          <p:val>
-                                            <p:strVal val="#ppt_y+.1"/>
-                                          </p:val>
-                                        </p:tav>
-                                        <p:tav tm="100000">
-                                          <p:val>
-                                            <p:strVal val="#ppt_y"/>
-                                          </p:val>
-                                        </p:tav>
-                                      </p:tavLst>
-                                    </p:anim>
-                                  </p:childTnLst>
-                                </p:cTn>
-                              </p:par>
-                            </p:childTnLst>
-                          </p:cTn>
-                        </p:par>
-                      </p:childTnLst>
-                    </p:cTn>
-                  </p:par>
-                  <p:par>
-                    <p:cTn id="45" fill="hold">
-                      <p:stCondLst>
-                        <p:cond delay="indefinite"/>
-                      </p:stCondLst>
-                      <p:childTnLst>
-                        <p:par>
-                          <p:cTn id="46" fill="hold">
-                            <p:stCondLst>
-                              <p:cond delay="0"/>
-                            </p:stCondLst>
-                            <p:childTnLst>
-                              <p:par>
-                                <p:cTn id="47" presetID="42" presetClass="entr" presetSubtype="0" fill="hold" grpId="0" nodeType="clickEffect">
-                                  <p:stCondLst>
-                                    <p:cond delay="0"/>
-                                  </p:stCondLst>
-                                  <p:childTnLst>
-                                    <p:set>
-                                      <p:cBhvr>
-                                        <p:cTn id="48" dur="1" fill="hold">
-                                          <p:stCondLst>
-                                            <p:cond delay="0"/>
-                                          </p:stCondLst>
-                                        </p:cTn>
-                                        <p:tgtEl>
-                                          <p:spTgt spid="3">
-                                            <p:txEl>
-                                              <p:pRg st="6" end="6"/>
-                                            </p:txEl>
-                                          </p:spTgt>
-                                        </p:tgtEl>
-                                        <p:attrNameLst>
-                                          <p:attrName>style.visibility</p:attrName>
-                                        </p:attrNameLst>
-                                      </p:cBhvr>
-                                      <p:to>
-                                        <p:strVal val="visible"/>
-                                      </p:to>
-                                    </p:set>
-                                    <p:animEffect transition="in" filter="fade">
-                                      <p:cBhvr>
-                                        <p:cTn id="49" dur="1000"/>
-                                        <p:tgtEl>
-                                          <p:spTgt spid="3">
-                                            <p:txEl>
-                                              <p:pRg st="6" end="6"/>
-                                            </p:txEl>
-                                          </p:spTgt>
-                                        </p:tgtEl>
-                                      </p:cBhvr>
-                                    </p:animEffect>
-                                    <p:anim calcmode="lin" valueType="num">
-                                      <p:cBhvr>
-                                        <p:cTn id="50" dur="1000" fill="hold"/>
-                                        <p:tgtEl>
-                                          <p:spTgt spid="3">
-                                            <p:txEl>
-                                              <p:pRg st="6" end="6"/>
-                                            </p:txEl>
-                                          </p:spTgt>
-                                        </p:tgtEl>
-                                        <p:attrNameLst>
-                                          <p:attrName>ppt_x</p:attrName>
-                                        </p:attrNameLst>
-                                      </p:cBhvr>
-                                      <p:tavLst>
-                                        <p:tav tm="0">
-                                          <p:val>
-                                            <p:strVal val="#ppt_x"/>
-                                          </p:val>
-                                        </p:tav>
-                                        <p:tav tm="100000">
-                                          <p:val>
-                                            <p:strVal val="#ppt_x"/>
-                                          </p:val>
-                                        </p:tav>
-                                      </p:tavLst>
-                                    </p:anim>
-                                    <p:anim calcmode="lin" valueType="num">
-                                      <p:cBhvr>
-                                        <p:cTn id="51" dur="1000" fill="hold"/>
-                                        <p:tgtEl>
-                                          <p:spTgt spid="3">
-                                            <p:txEl>
-                                              <p:pRg st="6" end="6"/>
-                                            </p:txEl>
-                                          </p:spTgt>
-                                        </p:tgtEl>
-                                        <p:attrNameLst>
-                                          <p:attrName>ppt_y</p:attrName>
-                                        </p:attrNameLst>
-                                      </p:cBhvr>
-                                      <p:tavLst>
-                                        <p:tav tm="0">
-                                          <p:val>
-                                            <p:strVal val="#ppt_y+.1"/>
-                                          </p:val>
-                                        </p:tav>
-                                        <p:tav tm="100000">
-                                          <p:val>
-                                            <p:strVal val="#ppt_y"/>
-                                          </p:val>
-                                        </p:tav>
-                                      </p:tavLst>
-                                    </p:anim>
-                                  </p:childTnLst>
-                                </p:cTn>
-                              </p:par>
-                            </p:childTnLst>
-                          </p:cTn>
-                        </p:par>
-                      </p:childTnLst>
-                    </p:cTn>
-                  </p:par>
-                  <p:par>
-                    <p:cTn id="52" fill="hold">
-                      <p:stCondLst>
-                        <p:cond delay="indefinite"/>
-                      </p:stCondLst>
-                      <p:childTnLst>
-                        <p:par>
-                          <p:cTn id="53" fill="hold">
-                            <p:stCondLst>
-                              <p:cond delay="0"/>
-                            </p:stCondLst>
-                            <p:childTnLst>
-                              <p:par>
-                                <p:cTn id="54" presetID="42" presetClass="entr" presetSubtype="0" fill="hold" grpId="0" nodeType="clickEffect">
-                                  <p:stCondLst>
-                                    <p:cond delay="0"/>
-                                  </p:stCondLst>
-                                  <p:childTnLst>
-                                    <p:set>
-                                      <p:cBhvr>
-                                        <p:cTn id="55" dur="1" fill="hold">
-                                          <p:stCondLst>
-                                            <p:cond delay="0"/>
-                                          </p:stCondLst>
-                                        </p:cTn>
-                                        <p:tgtEl>
-                                          <p:spTgt spid="3">
-                                            <p:txEl>
-                                              <p:pRg st="7" end="7"/>
-                                            </p:txEl>
-                                          </p:spTgt>
-                                        </p:tgtEl>
-                                        <p:attrNameLst>
-                                          <p:attrName>style.visibility</p:attrName>
-                                        </p:attrNameLst>
-                                      </p:cBhvr>
-                                      <p:to>
-                                        <p:strVal val="visible"/>
-                                      </p:to>
-                                    </p:set>
-                                    <p:animEffect transition="in" filter="fade">
-                                      <p:cBhvr>
-                                        <p:cTn id="56" dur="1000"/>
-                                        <p:tgtEl>
-                                          <p:spTgt spid="3">
-                                            <p:txEl>
-                                              <p:pRg st="7" end="7"/>
-                                            </p:txEl>
-                                          </p:spTgt>
-                                        </p:tgtEl>
-                                      </p:cBhvr>
-                                    </p:animEffect>
-                                    <p:anim calcmode="lin" valueType="num">
-                                      <p:cBhvr>
-                                        <p:cTn id="57" dur="1000" fill="hold"/>
-                                        <p:tgtEl>
-                                          <p:spTgt spid="3">
-                                            <p:txEl>
-                                              <p:pRg st="7" end="7"/>
-                                            </p:txEl>
-                                          </p:spTgt>
-                                        </p:tgtEl>
-                                        <p:attrNameLst>
-                                          <p:attrName>ppt_x</p:attrName>
-                                        </p:attrNameLst>
-                                      </p:cBhvr>
-                                      <p:tavLst>
-                                        <p:tav tm="0">
-                                          <p:val>
-                                            <p:strVal val="#ppt_x"/>
-                                          </p:val>
-                                        </p:tav>
-                                        <p:tav tm="100000">
-                                          <p:val>
-                                            <p:strVal val="#ppt_x"/>
-                                          </p:val>
-                                        </p:tav>
-                                      </p:tavLst>
-                                    </p:anim>
-                                    <p:anim calcmode="lin" valueType="num">
-                                      <p:cBhvr>
-                                        <p:cTn id="58" dur="1000" fill="hold"/>
-                                        <p:tgtEl>
-                                          <p:spTgt spid="3">
-                                            <p:txEl>
-                                              <p:pRg st="7" end="7"/>
                                             </p:txEl>
                                           </p:spTgt>
                                         </p:tgtEl>
@@ -11791,7 +12400,7 @@
           <p:cNvPr id="2" name="Title 1">
             <a:extLst>
               <a:ext uri="{FF2B5EF4-FFF2-40B4-BE49-F238E27FC236}">
-                <a16:creationId xmlns:a16="http://schemas.microsoft.com/office/drawing/2014/main" id="{EF37E28E-7A88-411C-9BB5-27C5E2564456}"/>
+                <a16:creationId xmlns:a16="http://schemas.microsoft.com/office/drawing/2014/main" id="{96245E77-719B-40F6-B522-F7481951CCB6}"/>
               </a:ext>
             </a:extLst>
           </p:cNvPr>
@@ -11809,7 +12418,7 @@
           <a:p>
             <a:r>
               <a:rPr lang="en-US" dirty="0"/>
-              <a:t>Probing Questions</a:t>
+              <a:t>Overcoming Pitfalls</a:t>
             </a:r>
           </a:p>
         </p:txBody>
@@ -11819,7 +12428,7 @@
           <p:cNvPr id="3" name="Content Placeholder 2">
             <a:extLst>
               <a:ext uri="{FF2B5EF4-FFF2-40B4-BE49-F238E27FC236}">
-                <a16:creationId xmlns:a16="http://schemas.microsoft.com/office/drawing/2014/main" id="{02B87E6D-568A-4775-91CE-C1192044A289}"/>
+                <a16:creationId xmlns:a16="http://schemas.microsoft.com/office/drawing/2014/main" id="{C14AEA1F-6B6A-404E-B7C9-7E2A988F9629}"/>
               </a:ext>
             </a:extLst>
           </p:cNvPr>
@@ -11833,77 +12442,56 @@
         <p:spPr/>
         <p:txBody>
           <a:bodyPr>
-            <a:normAutofit fontScale="85000" lnSpcReduction="10000"/>
+            <a:normAutofit fontScale="92500" lnSpcReduction="20000"/>
           </a:bodyPr>
           <a:lstStyle/>
           <a:p>
             <a:pPr fontAlgn="ctr"/>
             <a:r>
+              <a:rPr lang="en-US" sz="3000" dirty="0"/>
+              <a:t>Unconscious Bias</a:t>
+            </a:r>
+          </a:p>
+          <a:p>
+            <a:pPr lvl="1" fontAlgn="ctr"/>
+            <a:r>
               <a:rPr lang="en-US" dirty="0"/>
-              <a:t>Please give me an overview of the situation (that is, timeframe, role, and so on).</a:t>
+              <a:t>Learn your own unconscious biases ahead of time so you can minimize their impact on the interview. Gender, age, race, school, programming background, etc.</a:t>
             </a:r>
           </a:p>
           <a:p>
             <a:pPr fontAlgn="ctr"/>
             <a:r>
+              <a:rPr lang="en-US" sz="3000" dirty="0"/>
+              <a:t>Apples vs. Oranges</a:t>
+            </a:r>
+          </a:p>
+          <a:p>
+            <a:pPr lvl="1" fontAlgn="ctr"/>
+            <a:r>
               <a:rPr lang="en-US" dirty="0"/>
-              <a:t>How did you first get involved?</a:t>
+              <a:t>Consistency in questions allows you to compare two candidates much more objectively. Too much variation of questions prevents you from giving an apples to apples comparison.</a:t>
+            </a:r>
+          </a:p>
+          <a:p>
+            <a:pPr lvl="1" fontAlgn="ctr"/>
+            <a:r>
+              <a:rPr lang="en-US" dirty="0"/>
+              <a:t>Totally fine to change overtime, but ideally not for the same job in a shorter time frame.</a:t>
             </a:r>
           </a:p>
           <a:p>
             <a:pPr fontAlgn="ctr"/>
             <a:r>
+              <a:rPr lang="en-US" sz="3000" dirty="0"/>
+              <a:t>Faster is Better</a:t>
+            </a:r>
+          </a:p>
+          <a:p>
+            <a:pPr lvl="1" fontAlgn="ctr"/>
+            <a:r>
               <a:rPr lang="en-US" dirty="0"/>
-              <a:t>What were your thoughts at various points during the situation?</a:t>
-            </a:r>
-          </a:p>
-          <a:p>
-            <a:pPr fontAlgn="ctr"/>
-            <a:r>
-              <a:rPr lang="en-US" dirty="0"/>
-              <a:t>What were some of your personal actions or activities? Examples?</a:t>
-            </a:r>
-          </a:p>
-          <a:p>
-            <a:pPr fontAlgn="ctr"/>
-            <a:r>
-              <a:rPr lang="en-US" dirty="0"/>
-              <a:t>Can you describe key conversations from the situation?</a:t>
-            </a:r>
-          </a:p>
-          <a:p>
-            <a:pPr fontAlgn="ctr"/>
-            <a:r>
-              <a:rPr lang="en-US" dirty="0"/>
-              <a:t>Did you run into any obstacles? Pick one and tell me how you addressed it.</a:t>
-            </a:r>
-          </a:p>
-          <a:p>
-            <a:pPr fontAlgn="ctr"/>
-            <a:r>
-              <a:rPr lang="en-US" dirty="0"/>
-              <a:t>Can you give me more examples?</a:t>
-            </a:r>
-          </a:p>
-          <a:p>
-            <a:pPr fontAlgn="ctr"/>
-            <a:r>
-              <a:rPr lang="en-US" dirty="0"/>
-              <a:t>What was the outcome of the situation?</a:t>
-            </a:r>
-          </a:p>
-          <a:p>
-            <a:pPr fontAlgn="ctr"/>
-            <a:r>
-              <a:rPr lang="en-US" dirty="0"/>
-              <a:t>Looking back at this situation, what would you do differently and/or what are your thoughts?</a:t>
-            </a:r>
-          </a:p>
-          <a:p>
-            <a:pPr fontAlgn="ctr"/>
-            <a:r>
-              <a:rPr lang="en-US" dirty="0"/>
-              <a:t>What did you learn from this situation?</a:t>
+              <a:t>A long term open req can be demoralizing and give the feeling that a quick hire would bring value to the team faster. But the wrong hire can be a lot more detrimental to the team than an open req.</a:t>
             </a:r>
           </a:p>
         </p:txBody>
@@ -11911,7 +12499,7 @@
     </p:spTree>
     <p:extLst>
       <p:ext uri="{BB962C8B-B14F-4D97-AF65-F5344CB8AC3E}">
-        <p14:creationId xmlns:p14="http://schemas.microsoft.com/office/powerpoint/2010/main" val="4017266291"/>
+        <p14:creationId xmlns:p14="http://schemas.microsoft.com/office/powerpoint/2010/main" val="338404651"/>
       </p:ext>
     </p:extLst>
   </p:cSld>
@@ -12731,351 +13319,6 @@
                       </p:childTnLst>
                     </p:cTn>
                   </p:par>
-                  <p:par>
-                    <p:cTn id="52" fill="hold">
-                      <p:stCondLst>
-                        <p:cond delay="indefinite"/>
-                      </p:stCondLst>
-                      <p:childTnLst>
-                        <p:par>
-                          <p:cTn id="53" fill="hold">
-                            <p:stCondLst>
-                              <p:cond delay="0"/>
-                            </p:stCondLst>
-                            <p:childTnLst>
-                              <p:par>
-                                <p:cTn id="54" presetID="42" presetClass="entr" presetSubtype="0" fill="hold" grpId="0" nodeType="clickEffect">
-                                  <p:stCondLst>
-                                    <p:cond delay="0"/>
-                                  </p:stCondLst>
-                                  <p:childTnLst>
-                                    <p:set>
-                                      <p:cBhvr>
-                                        <p:cTn id="55" dur="1" fill="hold">
-                                          <p:stCondLst>
-                                            <p:cond delay="0"/>
-                                          </p:stCondLst>
-                                        </p:cTn>
-                                        <p:tgtEl>
-                                          <p:spTgt spid="3">
-                                            <p:txEl>
-                                              <p:pRg st="7" end="7"/>
-                                            </p:txEl>
-                                          </p:spTgt>
-                                        </p:tgtEl>
-                                        <p:attrNameLst>
-                                          <p:attrName>style.visibility</p:attrName>
-                                        </p:attrNameLst>
-                                      </p:cBhvr>
-                                      <p:to>
-                                        <p:strVal val="visible"/>
-                                      </p:to>
-                                    </p:set>
-                                    <p:animEffect transition="in" filter="fade">
-                                      <p:cBhvr>
-                                        <p:cTn id="56" dur="1000"/>
-                                        <p:tgtEl>
-                                          <p:spTgt spid="3">
-                                            <p:txEl>
-                                              <p:pRg st="7" end="7"/>
-                                            </p:txEl>
-                                          </p:spTgt>
-                                        </p:tgtEl>
-                                      </p:cBhvr>
-                                    </p:animEffect>
-                                    <p:anim calcmode="lin" valueType="num">
-                                      <p:cBhvr>
-                                        <p:cTn id="57" dur="1000" fill="hold"/>
-                                        <p:tgtEl>
-                                          <p:spTgt spid="3">
-                                            <p:txEl>
-                                              <p:pRg st="7" end="7"/>
-                                            </p:txEl>
-                                          </p:spTgt>
-                                        </p:tgtEl>
-                                        <p:attrNameLst>
-                                          <p:attrName>ppt_x</p:attrName>
-                                        </p:attrNameLst>
-                                      </p:cBhvr>
-                                      <p:tavLst>
-                                        <p:tav tm="0">
-                                          <p:val>
-                                            <p:strVal val="#ppt_x"/>
-                                          </p:val>
-                                        </p:tav>
-                                        <p:tav tm="100000">
-                                          <p:val>
-                                            <p:strVal val="#ppt_x"/>
-                                          </p:val>
-                                        </p:tav>
-                                      </p:tavLst>
-                                    </p:anim>
-                                    <p:anim calcmode="lin" valueType="num">
-                                      <p:cBhvr>
-                                        <p:cTn id="58" dur="1000" fill="hold"/>
-                                        <p:tgtEl>
-                                          <p:spTgt spid="3">
-                                            <p:txEl>
-                                              <p:pRg st="7" end="7"/>
-                                            </p:txEl>
-                                          </p:spTgt>
-                                        </p:tgtEl>
-                                        <p:attrNameLst>
-                                          <p:attrName>ppt_y</p:attrName>
-                                        </p:attrNameLst>
-                                      </p:cBhvr>
-                                      <p:tavLst>
-                                        <p:tav tm="0">
-                                          <p:val>
-                                            <p:strVal val="#ppt_y+.1"/>
-                                          </p:val>
-                                        </p:tav>
-                                        <p:tav tm="100000">
-                                          <p:val>
-                                            <p:strVal val="#ppt_y"/>
-                                          </p:val>
-                                        </p:tav>
-                                      </p:tavLst>
-                                    </p:anim>
-                                  </p:childTnLst>
-                                </p:cTn>
-                              </p:par>
-                            </p:childTnLst>
-                          </p:cTn>
-                        </p:par>
-                      </p:childTnLst>
-                    </p:cTn>
-                  </p:par>
-                  <p:par>
-                    <p:cTn id="59" fill="hold">
-                      <p:stCondLst>
-                        <p:cond delay="indefinite"/>
-                      </p:stCondLst>
-                      <p:childTnLst>
-                        <p:par>
-                          <p:cTn id="60" fill="hold">
-                            <p:stCondLst>
-                              <p:cond delay="0"/>
-                            </p:stCondLst>
-                            <p:childTnLst>
-                              <p:par>
-                                <p:cTn id="61" presetID="42" presetClass="entr" presetSubtype="0" fill="hold" grpId="0" nodeType="clickEffect">
-                                  <p:stCondLst>
-                                    <p:cond delay="0"/>
-                                  </p:stCondLst>
-                                  <p:childTnLst>
-                                    <p:set>
-                                      <p:cBhvr>
-                                        <p:cTn id="62" dur="1" fill="hold">
-                                          <p:stCondLst>
-                                            <p:cond delay="0"/>
-                                          </p:stCondLst>
-                                        </p:cTn>
-                                        <p:tgtEl>
-                                          <p:spTgt spid="3">
-                                            <p:txEl>
-                                              <p:pRg st="8" end="8"/>
-                                            </p:txEl>
-                                          </p:spTgt>
-                                        </p:tgtEl>
-                                        <p:attrNameLst>
-                                          <p:attrName>style.visibility</p:attrName>
-                                        </p:attrNameLst>
-                                      </p:cBhvr>
-                                      <p:to>
-                                        <p:strVal val="visible"/>
-                                      </p:to>
-                                    </p:set>
-                                    <p:animEffect transition="in" filter="fade">
-                                      <p:cBhvr>
-                                        <p:cTn id="63" dur="1000"/>
-                                        <p:tgtEl>
-                                          <p:spTgt spid="3">
-                                            <p:txEl>
-                                              <p:pRg st="8" end="8"/>
-                                            </p:txEl>
-                                          </p:spTgt>
-                                        </p:tgtEl>
-                                      </p:cBhvr>
-                                    </p:animEffect>
-                                    <p:anim calcmode="lin" valueType="num">
-                                      <p:cBhvr>
-                                        <p:cTn id="64" dur="1000" fill="hold"/>
-                                        <p:tgtEl>
-                                          <p:spTgt spid="3">
-                                            <p:txEl>
-                                              <p:pRg st="8" end="8"/>
-                                            </p:txEl>
-                                          </p:spTgt>
-                                        </p:tgtEl>
-                                        <p:attrNameLst>
-                                          <p:attrName>ppt_x</p:attrName>
-                                        </p:attrNameLst>
-                                      </p:cBhvr>
-                                      <p:tavLst>
-                                        <p:tav tm="0">
-                                          <p:val>
-                                            <p:strVal val="#ppt_x"/>
-                                          </p:val>
-                                        </p:tav>
-                                        <p:tav tm="100000">
-                                          <p:val>
-                                            <p:strVal val="#ppt_x"/>
-                                          </p:val>
-                                        </p:tav>
-                                      </p:tavLst>
-                                    </p:anim>
-                                    <p:anim calcmode="lin" valueType="num">
-                                      <p:cBhvr>
-                                        <p:cTn id="65" dur="1000" fill="hold"/>
-                                        <p:tgtEl>
-                                          <p:spTgt spid="3">
-                                            <p:txEl>
-                                              <p:pRg st="8" end="8"/>
-                                            </p:txEl>
-                                          </p:spTgt>
-                                        </p:tgtEl>
-                                        <p:attrNameLst>
-                                          <p:attrName>ppt_y</p:attrName>
-                                        </p:attrNameLst>
-                                      </p:cBhvr>
-                                      <p:tavLst>
-                                        <p:tav tm="0">
-                                          <p:val>
-                                            <p:strVal val="#ppt_y+.1"/>
-                                          </p:val>
-                                        </p:tav>
-                                        <p:tav tm="100000">
-                                          <p:val>
-                                            <p:strVal val="#ppt_y"/>
-                                          </p:val>
-                                        </p:tav>
-                                      </p:tavLst>
-                                    </p:anim>
-                                  </p:childTnLst>
-                                </p:cTn>
-                              </p:par>
-                            </p:childTnLst>
-                          </p:cTn>
-                        </p:par>
-                      </p:childTnLst>
-                    </p:cTn>
-                  </p:par>
-                  <p:par>
-                    <p:cTn id="66" fill="hold">
-                      <p:stCondLst>
-                        <p:cond delay="indefinite"/>
-                      </p:stCondLst>
-                      <p:childTnLst>
-                        <p:par>
-                          <p:cTn id="67" fill="hold">
-                            <p:stCondLst>
-                              <p:cond delay="0"/>
-                            </p:stCondLst>
-                            <p:childTnLst>
-                              <p:par>
-                                <p:cTn id="68" presetID="42" presetClass="entr" presetSubtype="0" fill="hold" grpId="0" nodeType="clickEffect">
-                                  <p:stCondLst>
-                                    <p:cond delay="0"/>
-                                  </p:stCondLst>
-                                  <p:childTnLst>
-                                    <p:set>
-                                      <p:cBhvr>
-                                        <p:cTn id="69" dur="1" fill="hold">
-                                          <p:stCondLst>
-                                            <p:cond delay="0"/>
-                                          </p:stCondLst>
-                                        </p:cTn>
-                                        <p:tgtEl>
-                                          <p:spTgt spid="3">
-                                            <p:txEl>
-                                              <p:pRg st="9" end="9"/>
-                                            </p:txEl>
-                                          </p:spTgt>
-                                        </p:tgtEl>
-                                        <p:attrNameLst>
-                                          <p:attrName>style.visibility</p:attrName>
-                                        </p:attrNameLst>
-                                      </p:cBhvr>
-                                      <p:to>
-                                        <p:strVal val="visible"/>
-                                      </p:to>
-                                    </p:set>
-                                    <p:animEffect transition="in" filter="fade">
-                                      <p:cBhvr>
-                                        <p:cTn id="70" dur="1000"/>
-                                        <p:tgtEl>
-                                          <p:spTgt spid="3">
-                                            <p:txEl>
-                                              <p:pRg st="9" end="9"/>
-                                            </p:txEl>
-                                          </p:spTgt>
-                                        </p:tgtEl>
-                                      </p:cBhvr>
-                                    </p:animEffect>
-                                    <p:anim calcmode="lin" valueType="num">
-                                      <p:cBhvr>
-                                        <p:cTn id="71" dur="1000" fill="hold"/>
-                                        <p:tgtEl>
-                                          <p:spTgt spid="3">
-                                            <p:txEl>
-                                              <p:pRg st="9" end="9"/>
-                                            </p:txEl>
-                                          </p:spTgt>
-                                        </p:tgtEl>
-                                        <p:attrNameLst>
-                                          <p:attrName>ppt_x</p:attrName>
-                                        </p:attrNameLst>
-                                      </p:cBhvr>
-                                      <p:tavLst>
-                                        <p:tav tm="0">
-                                          <p:val>
-                                            <p:strVal val="#ppt_x"/>
-                                          </p:val>
-                                        </p:tav>
-                                        <p:tav tm="100000">
-                                          <p:val>
-                                            <p:strVal val="#ppt_x"/>
-                                          </p:val>
-                                        </p:tav>
-                                      </p:tavLst>
-                                    </p:anim>
-                                    <p:anim calcmode="lin" valueType="num">
-                                      <p:cBhvr>
-                                        <p:cTn id="72" dur="1000" fill="hold"/>
-                                        <p:tgtEl>
-                                          <p:spTgt spid="3">
-                                            <p:txEl>
-                                              <p:pRg st="9" end="9"/>
-                                            </p:txEl>
-                                          </p:spTgt>
-                                        </p:tgtEl>
-                                        <p:attrNameLst>
-                                          <p:attrName>ppt_y</p:attrName>
-                                        </p:attrNameLst>
-                                      </p:cBhvr>
-                                      <p:tavLst>
-                                        <p:tav tm="0">
-                                          <p:val>
-                                            <p:strVal val="#ppt_y+.1"/>
-                                          </p:val>
-                                        </p:tav>
-                                        <p:tav tm="100000">
-                                          <p:val>
-                                            <p:strVal val="#ppt_y"/>
-                                          </p:val>
-                                        </p:tav>
-                                      </p:tavLst>
-                                    </p:anim>
-                                  </p:childTnLst>
-                                </p:cTn>
-                              </p:par>
-                            </p:childTnLst>
-                          </p:cTn>
-                        </p:par>
-                      </p:childTnLst>
-                    </p:cTn>
-                  </p:par>
                 </p:childTnLst>
               </p:cTn>
               <p:prevCondLst>
@@ -13098,7 +13341,7 @@
       </p:par>
     </p:tnLst>
     <p:bldLst>
-      <p:bldP spid="3" grpId="0" build="p"/>
+      <p:bldP spid="3" grpId="0" build="p" bldLvl="2"/>
     </p:bldLst>
   </p:timing>
 </p:sld>
@@ -13126,7 +13369,7 @@
           <p:cNvPr id="2" name="Title 1">
             <a:extLst>
               <a:ext uri="{FF2B5EF4-FFF2-40B4-BE49-F238E27FC236}">
-                <a16:creationId xmlns:a16="http://schemas.microsoft.com/office/drawing/2014/main" id="{96245E77-719B-40F6-B522-F7481951CCB6}"/>
+                <a16:creationId xmlns:a16="http://schemas.microsoft.com/office/drawing/2014/main" id="{6DA4D090-927E-4098-A677-F26F968FB9FD}"/>
               </a:ext>
             </a:extLst>
           </p:cNvPr>
@@ -13144,7 +13387,7 @@
           <a:p>
             <a:r>
               <a:rPr lang="en-US" dirty="0"/>
-              <a:t>Overcoming Pitfalls</a:t>
+              <a:t>Interview Feedback</a:t>
             </a:r>
           </a:p>
         </p:txBody>
@@ -13154,7 +13397,7 @@
           <p:cNvPr id="3" name="Content Placeholder 2">
             <a:extLst>
               <a:ext uri="{FF2B5EF4-FFF2-40B4-BE49-F238E27FC236}">
-                <a16:creationId xmlns:a16="http://schemas.microsoft.com/office/drawing/2014/main" id="{C14AEA1F-6B6A-404E-B7C9-7E2A988F9629}"/>
+                <a16:creationId xmlns:a16="http://schemas.microsoft.com/office/drawing/2014/main" id="{02C06F42-5B80-4F64-A009-C82A004A2AC9}"/>
               </a:ext>
             </a:extLst>
           </p:cNvPr>
@@ -13167,59 +13410,71 @@
         </p:nvSpPr>
         <p:spPr/>
         <p:txBody>
-          <a:bodyPr>
-            <a:normAutofit lnSpcReduction="10000"/>
-          </a:bodyPr>
+          <a:bodyPr/>
           <a:lstStyle/>
           <a:p>
-            <a:pPr fontAlgn="ctr"/>
-            <a:r>
-              <a:rPr lang="en-US" sz="2800" dirty="0"/>
-              <a:t>Mini-me</a:t>
-            </a:r>
+            <a:r>
+              <a:rPr lang="en-US" dirty="0"/>
+              <a:t>Effective feedback is similar to performance reviews</a:t>
+            </a:r>
+          </a:p>
+          <a:p>
+            <a:pPr lvl="1" fontAlgn="ctr"/>
+            <a:r>
+              <a:rPr lang="en-US" dirty="0"/>
+              <a:t>Relevant</a:t>
+            </a:r>
+          </a:p>
+          <a:p>
+            <a:pPr lvl="1" fontAlgn="ctr"/>
+            <a:r>
+              <a:rPr lang="en-US" dirty="0"/>
+              <a:t>Specific</a:t>
+            </a:r>
+          </a:p>
+          <a:p>
+            <a:pPr lvl="1" fontAlgn="ctr"/>
+            <a:r>
+              <a:rPr lang="en-US" dirty="0"/>
+              <a:t>Succinct</a:t>
+            </a:r>
+          </a:p>
+          <a:p>
+            <a:r>
+              <a:rPr lang="en-US" dirty="0"/>
+              <a:t>Ineffective Feedback</a:t>
+            </a:r>
+          </a:p>
+          <a:p>
+            <a:pPr lvl="1" fontAlgn="ctr"/>
+            <a:r>
+              <a:rPr lang="en-US" dirty="0"/>
+              <a:t>Opinionated</a:t>
+            </a:r>
+          </a:p>
+          <a:p>
+            <a:pPr lvl="1" fontAlgn="ctr"/>
+            <a:r>
+              <a:rPr lang="en-US" dirty="0"/>
+              <a:t>Generic</a:t>
+            </a:r>
+          </a:p>
+          <a:p>
+            <a:pPr lvl="1" fontAlgn="ctr"/>
+            <a:r>
+              <a:rPr lang="en-US" dirty="0"/>
+              <a:t>Irrelevant or insufficient details</a:t>
+            </a:r>
+          </a:p>
+          <a:p>
             <a:endParaRPr lang="en-US" dirty="0"/>
-          </a:p>
-          <a:p>
-            <a:pPr lvl="1" fontAlgn="ctr"/>
-            <a:r>
-              <a:rPr lang="en-US" dirty="0"/>
-              <a:t>Looking for people/resumes that are just like yourself. Don't underestimate uniqueness</a:t>
-            </a:r>
-          </a:p>
-          <a:p>
-            <a:pPr fontAlgn="ctr"/>
-            <a:r>
-              <a:rPr lang="en-US" sz="2800" dirty="0"/>
-              <a:t>Halo-effect</a:t>
-            </a:r>
-          </a:p>
-          <a:p>
-            <a:pPr lvl="1" fontAlgn="ctr"/>
-            <a:r>
-              <a:rPr lang="en-US" dirty="0"/>
-              <a:t>Getting locked in a single aspect of the person, appearance, credentials, interests, etc., that would then cause you to be less probing on other questions or more favorable in the interview feedback as a whole</a:t>
-            </a:r>
-          </a:p>
-          <a:p>
-            <a:pPr fontAlgn="ctr"/>
-            <a:r>
-              <a:rPr lang="en-US" sz="2800" dirty="0"/>
-              <a:t>Hidden Fear</a:t>
-            </a:r>
-          </a:p>
-          <a:p>
-            <a:pPr lvl="1" fontAlgn="ctr"/>
-            <a:r>
-              <a:rPr lang="en-US" dirty="0"/>
-              <a:t>What if they are better than me? Think instead how could learn from this person and how they could make your team as a whole even better.</a:t>
-            </a:r>
           </a:p>
         </p:txBody>
       </p:sp>
     </p:spTree>
     <p:extLst>
       <p:ext uri="{BB962C8B-B14F-4D97-AF65-F5344CB8AC3E}">
-        <p14:creationId xmlns:p14="http://schemas.microsoft.com/office/powerpoint/2010/main" val="4186197606"/>
+        <p14:creationId xmlns:p14="http://schemas.microsoft.com/office/powerpoint/2010/main" val="3273704858"/>
       </p:ext>
     </p:extLst>
   </p:cSld>
@@ -13895,6 +14150,236 @@
                                           <p:spTgt spid="3">
                                             <p:txEl>
                                               <p:pRg st="5" end="5"/>
+                                            </p:txEl>
+                                          </p:spTgt>
+                                        </p:tgtEl>
+                                        <p:attrNameLst>
+                                          <p:attrName>ppt_y</p:attrName>
+                                        </p:attrNameLst>
+                                      </p:cBhvr>
+                                      <p:tavLst>
+                                        <p:tav tm="0">
+                                          <p:val>
+                                            <p:strVal val="#ppt_y+.1"/>
+                                          </p:val>
+                                        </p:tav>
+                                        <p:tav tm="100000">
+                                          <p:val>
+                                            <p:strVal val="#ppt_y"/>
+                                          </p:val>
+                                        </p:tav>
+                                      </p:tavLst>
+                                    </p:anim>
+                                  </p:childTnLst>
+                                </p:cTn>
+                              </p:par>
+                            </p:childTnLst>
+                          </p:cTn>
+                        </p:par>
+                      </p:childTnLst>
+                    </p:cTn>
+                  </p:par>
+                  <p:par>
+                    <p:cTn id="45" fill="hold">
+                      <p:stCondLst>
+                        <p:cond delay="indefinite"/>
+                      </p:stCondLst>
+                      <p:childTnLst>
+                        <p:par>
+                          <p:cTn id="46" fill="hold">
+                            <p:stCondLst>
+                              <p:cond delay="0"/>
+                            </p:stCondLst>
+                            <p:childTnLst>
+                              <p:par>
+                                <p:cTn id="47" presetID="42" presetClass="entr" presetSubtype="0" fill="hold" grpId="0" nodeType="clickEffect">
+                                  <p:stCondLst>
+                                    <p:cond delay="0"/>
+                                  </p:stCondLst>
+                                  <p:childTnLst>
+                                    <p:set>
+                                      <p:cBhvr>
+                                        <p:cTn id="48" dur="1" fill="hold">
+                                          <p:stCondLst>
+                                            <p:cond delay="0"/>
+                                          </p:stCondLst>
+                                        </p:cTn>
+                                        <p:tgtEl>
+                                          <p:spTgt spid="3">
+                                            <p:txEl>
+                                              <p:pRg st="6" end="6"/>
+                                            </p:txEl>
+                                          </p:spTgt>
+                                        </p:tgtEl>
+                                        <p:attrNameLst>
+                                          <p:attrName>style.visibility</p:attrName>
+                                        </p:attrNameLst>
+                                      </p:cBhvr>
+                                      <p:to>
+                                        <p:strVal val="visible"/>
+                                      </p:to>
+                                    </p:set>
+                                    <p:animEffect transition="in" filter="fade">
+                                      <p:cBhvr>
+                                        <p:cTn id="49" dur="1000"/>
+                                        <p:tgtEl>
+                                          <p:spTgt spid="3">
+                                            <p:txEl>
+                                              <p:pRg st="6" end="6"/>
+                                            </p:txEl>
+                                          </p:spTgt>
+                                        </p:tgtEl>
+                                      </p:cBhvr>
+                                    </p:animEffect>
+                                    <p:anim calcmode="lin" valueType="num">
+                                      <p:cBhvr>
+                                        <p:cTn id="50" dur="1000" fill="hold"/>
+                                        <p:tgtEl>
+                                          <p:spTgt spid="3">
+                                            <p:txEl>
+                                              <p:pRg st="6" end="6"/>
+                                            </p:txEl>
+                                          </p:spTgt>
+                                        </p:tgtEl>
+                                        <p:attrNameLst>
+                                          <p:attrName>ppt_x</p:attrName>
+                                        </p:attrNameLst>
+                                      </p:cBhvr>
+                                      <p:tavLst>
+                                        <p:tav tm="0">
+                                          <p:val>
+                                            <p:strVal val="#ppt_x"/>
+                                          </p:val>
+                                        </p:tav>
+                                        <p:tav tm="100000">
+                                          <p:val>
+                                            <p:strVal val="#ppt_x"/>
+                                          </p:val>
+                                        </p:tav>
+                                      </p:tavLst>
+                                    </p:anim>
+                                    <p:anim calcmode="lin" valueType="num">
+                                      <p:cBhvr>
+                                        <p:cTn id="51" dur="1000" fill="hold"/>
+                                        <p:tgtEl>
+                                          <p:spTgt spid="3">
+                                            <p:txEl>
+                                              <p:pRg st="6" end="6"/>
+                                            </p:txEl>
+                                          </p:spTgt>
+                                        </p:tgtEl>
+                                        <p:attrNameLst>
+                                          <p:attrName>ppt_y</p:attrName>
+                                        </p:attrNameLst>
+                                      </p:cBhvr>
+                                      <p:tavLst>
+                                        <p:tav tm="0">
+                                          <p:val>
+                                            <p:strVal val="#ppt_y+.1"/>
+                                          </p:val>
+                                        </p:tav>
+                                        <p:tav tm="100000">
+                                          <p:val>
+                                            <p:strVal val="#ppt_y"/>
+                                          </p:val>
+                                        </p:tav>
+                                      </p:tavLst>
+                                    </p:anim>
+                                  </p:childTnLst>
+                                </p:cTn>
+                              </p:par>
+                            </p:childTnLst>
+                          </p:cTn>
+                        </p:par>
+                      </p:childTnLst>
+                    </p:cTn>
+                  </p:par>
+                  <p:par>
+                    <p:cTn id="52" fill="hold">
+                      <p:stCondLst>
+                        <p:cond delay="indefinite"/>
+                      </p:stCondLst>
+                      <p:childTnLst>
+                        <p:par>
+                          <p:cTn id="53" fill="hold">
+                            <p:stCondLst>
+                              <p:cond delay="0"/>
+                            </p:stCondLst>
+                            <p:childTnLst>
+                              <p:par>
+                                <p:cTn id="54" presetID="42" presetClass="entr" presetSubtype="0" fill="hold" grpId="0" nodeType="clickEffect">
+                                  <p:stCondLst>
+                                    <p:cond delay="0"/>
+                                  </p:stCondLst>
+                                  <p:childTnLst>
+                                    <p:set>
+                                      <p:cBhvr>
+                                        <p:cTn id="55" dur="1" fill="hold">
+                                          <p:stCondLst>
+                                            <p:cond delay="0"/>
+                                          </p:stCondLst>
+                                        </p:cTn>
+                                        <p:tgtEl>
+                                          <p:spTgt spid="3">
+                                            <p:txEl>
+                                              <p:pRg st="7" end="7"/>
+                                            </p:txEl>
+                                          </p:spTgt>
+                                        </p:tgtEl>
+                                        <p:attrNameLst>
+                                          <p:attrName>style.visibility</p:attrName>
+                                        </p:attrNameLst>
+                                      </p:cBhvr>
+                                      <p:to>
+                                        <p:strVal val="visible"/>
+                                      </p:to>
+                                    </p:set>
+                                    <p:animEffect transition="in" filter="fade">
+                                      <p:cBhvr>
+                                        <p:cTn id="56" dur="1000"/>
+                                        <p:tgtEl>
+                                          <p:spTgt spid="3">
+                                            <p:txEl>
+                                              <p:pRg st="7" end="7"/>
+                                            </p:txEl>
+                                          </p:spTgt>
+                                        </p:tgtEl>
+                                      </p:cBhvr>
+                                    </p:animEffect>
+                                    <p:anim calcmode="lin" valueType="num">
+                                      <p:cBhvr>
+                                        <p:cTn id="57" dur="1000" fill="hold"/>
+                                        <p:tgtEl>
+                                          <p:spTgt spid="3">
+                                            <p:txEl>
+                                              <p:pRg st="7" end="7"/>
+                                            </p:txEl>
+                                          </p:spTgt>
+                                        </p:tgtEl>
+                                        <p:attrNameLst>
+                                          <p:attrName>ppt_x</p:attrName>
+                                        </p:attrNameLst>
+                                      </p:cBhvr>
+                                      <p:tavLst>
+                                        <p:tav tm="0">
+                                          <p:val>
+                                            <p:strVal val="#ppt_x"/>
+                                          </p:val>
+                                        </p:tav>
+                                        <p:tav tm="100000">
+                                          <p:val>
+                                            <p:strVal val="#ppt_x"/>
+                                          </p:val>
+                                        </p:tav>
+                                      </p:tavLst>
+                                    </p:anim>
+                                    <p:anim calcmode="lin" valueType="num">
+                                      <p:cBhvr>
+                                        <p:cTn id="58" dur="1000" fill="hold"/>
+                                        <p:tgtEl>
+                                          <p:spTgt spid="3">
+                                            <p:txEl>
+                                              <p:pRg st="7" end="7"/>
                                             </p:txEl>
                                           </p:spTgt>
                                         </p:tgtEl>
@@ -13992,7 +14477,7 @@
           <a:p>
             <a:r>
               <a:rPr lang="en-US" dirty="0"/>
-              <a:t>Overcoming Pitfalls</a:t>
+              <a:t>General Tips</a:t>
             </a:r>
           </a:p>
         </p:txBody>
@@ -14016,56 +14501,26 @@
         <p:spPr/>
         <p:txBody>
           <a:bodyPr>
-            <a:normAutofit fontScale="92500" lnSpcReduction="20000"/>
+            <a:normAutofit/>
           </a:bodyPr>
           <a:lstStyle/>
           <a:p>
-            <a:pPr fontAlgn="ctr"/>
-            <a:r>
-              <a:rPr lang="en-US" sz="3000" dirty="0"/>
-              <a:t>Unconscious Bias</a:t>
-            </a:r>
-          </a:p>
-          <a:p>
-            <a:pPr lvl="1" fontAlgn="ctr"/>
             <a:r>
               <a:rPr lang="en-US" dirty="0"/>
-              <a:t>Learn your own unconscious biases ahead of time so you can minimize their impact on the interview. Gender, age, race, school, programming background, etc.</a:t>
-            </a:r>
-          </a:p>
-          <a:p>
-            <a:pPr fontAlgn="ctr"/>
-            <a:r>
-              <a:rPr lang="en-US" sz="3000" dirty="0"/>
-              <a:t>Apples vs. Oranges</a:t>
-            </a:r>
-          </a:p>
-          <a:p>
-            <a:pPr lvl="1" fontAlgn="ctr"/>
+              <a:t>Be prompt on your feedback. Set aside 15 minutes immediately after the interview.</a:t>
+            </a:r>
+          </a:p>
+          <a:p>
             <a:r>
               <a:rPr lang="en-US" dirty="0"/>
-              <a:t>Consistency in questions allows you to compare two candidates much more objectively. Too much variation of questions prevents you from giving an apples to apples comparison.</a:t>
-            </a:r>
-          </a:p>
-          <a:p>
-            <a:pPr lvl="1" fontAlgn="ctr"/>
+              <a:t>Don't discuss your feedback with others who are also interviewing the same person until you have written out your own thoughts.</a:t>
+            </a:r>
+          </a:p>
+          <a:p>
+            <a:pPr lvl="1"/>
             <a:r>
               <a:rPr lang="en-US" dirty="0"/>
-              <a:t>Totally fine to change overtime, but ideally not for the same job in a shorter time frame.</a:t>
-            </a:r>
-          </a:p>
-          <a:p>
-            <a:pPr fontAlgn="ctr"/>
-            <a:r>
-              <a:rPr lang="en-US" sz="3000" dirty="0"/>
-              <a:t>Faster is Better</a:t>
-            </a:r>
-          </a:p>
-          <a:p>
-            <a:pPr lvl="1" fontAlgn="ctr"/>
-            <a:r>
-              <a:rPr lang="en-US" dirty="0"/>
-              <a:t>A long term open req can be demoralizing and give the feeling that a quick hire would bring value to the team faster. But the wrong hire can be a lot more detrimental to the team than an open req.</a:t>
+              <a:t>Anchoring bias is a big problem!</a:t>
             </a:r>
           </a:p>
         </p:txBody>
@@ -14073,7 +14528,7 @@
     </p:spTree>
     <p:extLst>
       <p:ext uri="{BB962C8B-B14F-4D97-AF65-F5344CB8AC3E}">
-        <p14:creationId xmlns:p14="http://schemas.microsoft.com/office/powerpoint/2010/main" val="338404651"/>
+        <p14:creationId xmlns:p14="http://schemas.microsoft.com/office/powerpoint/2010/main" val="2689728103"/>
       </p:ext>
     </p:extLst>
   </p:cSld>
@@ -14404,466 +14859,6 @@
                                           <p:spTgt spid="3">
                                             <p:txEl>
                                               <p:pRg st="2" end="2"/>
-                                            </p:txEl>
-                                          </p:spTgt>
-                                        </p:tgtEl>
-                                        <p:attrNameLst>
-                                          <p:attrName>ppt_y</p:attrName>
-                                        </p:attrNameLst>
-                                      </p:cBhvr>
-                                      <p:tavLst>
-                                        <p:tav tm="0">
-                                          <p:val>
-                                            <p:strVal val="#ppt_y+.1"/>
-                                          </p:val>
-                                        </p:tav>
-                                        <p:tav tm="100000">
-                                          <p:val>
-                                            <p:strVal val="#ppt_y"/>
-                                          </p:val>
-                                        </p:tav>
-                                      </p:tavLst>
-                                    </p:anim>
-                                  </p:childTnLst>
-                                </p:cTn>
-                              </p:par>
-                            </p:childTnLst>
-                          </p:cTn>
-                        </p:par>
-                      </p:childTnLst>
-                    </p:cTn>
-                  </p:par>
-                  <p:par>
-                    <p:cTn id="24" fill="hold">
-                      <p:stCondLst>
-                        <p:cond delay="indefinite"/>
-                      </p:stCondLst>
-                      <p:childTnLst>
-                        <p:par>
-                          <p:cTn id="25" fill="hold">
-                            <p:stCondLst>
-                              <p:cond delay="0"/>
-                            </p:stCondLst>
-                            <p:childTnLst>
-                              <p:par>
-                                <p:cTn id="26" presetID="42" presetClass="entr" presetSubtype="0" fill="hold" grpId="0" nodeType="clickEffect">
-                                  <p:stCondLst>
-                                    <p:cond delay="0"/>
-                                  </p:stCondLst>
-                                  <p:childTnLst>
-                                    <p:set>
-                                      <p:cBhvr>
-                                        <p:cTn id="27" dur="1" fill="hold">
-                                          <p:stCondLst>
-                                            <p:cond delay="0"/>
-                                          </p:stCondLst>
-                                        </p:cTn>
-                                        <p:tgtEl>
-                                          <p:spTgt spid="3">
-                                            <p:txEl>
-                                              <p:pRg st="3" end="3"/>
-                                            </p:txEl>
-                                          </p:spTgt>
-                                        </p:tgtEl>
-                                        <p:attrNameLst>
-                                          <p:attrName>style.visibility</p:attrName>
-                                        </p:attrNameLst>
-                                      </p:cBhvr>
-                                      <p:to>
-                                        <p:strVal val="visible"/>
-                                      </p:to>
-                                    </p:set>
-                                    <p:animEffect transition="in" filter="fade">
-                                      <p:cBhvr>
-                                        <p:cTn id="28" dur="1000"/>
-                                        <p:tgtEl>
-                                          <p:spTgt spid="3">
-                                            <p:txEl>
-                                              <p:pRg st="3" end="3"/>
-                                            </p:txEl>
-                                          </p:spTgt>
-                                        </p:tgtEl>
-                                      </p:cBhvr>
-                                    </p:animEffect>
-                                    <p:anim calcmode="lin" valueType="num">
-                                      <p:cBhvr>
-                                        <p:cTn id="29" dur="1000" fill="hold"/>
-                                        <p:tgtEl>
-                                          <p:spTgt spid="3">
-                                            <p:txEl>
-                                              <p:pRg st="3" end="3"/>
-                                            </p:txEl>
-                                          </p:spTgt>
-                                        </p:tgtEl>
-                                        <p:attrNameLst>
-                                          <p:attrName>ppt_x</p:attrName>
-                                        </p:attrNameLst>
-                                      </p:cBhvr>
-                                      <p:tavLst>
-                                        <p:tav tm="0">
-                                          <p:val>
-                                            <p:strVal val="#ppt_x"/>
-                                          </p:val>
-                                        </p:tav>
-                                        <p:tav tm="100000">
-                                          <p:val>
-                                            <p:strVal val="#ppt_x"/>
-                                          </p:val>
-                                        </p:tav>
-                                      </p:tavLst>
-                                    </p:anim>
-                                    <p:anim calcmode="lin" valueType="num">
-                                      <p:cBhvr>
-                                        <p:cTn id="30" dur="1000" fill="hold"/>
-                                        <p:tgtEl>
-                                          <p:spTgt spid="3">
-                                            <p:txEl>
-                                              <p:pRg st="3" end="3"/>
-                                            </p:txEl>
-                                          </p:spTgt>
-                                        </p:tgtEl>
-                                        <p:attrNameLst>
-                                          <p:attrName>ppt_y</p:attrName>
-                                        </p:attrNameLst>
-                                      </p:cBhvr>
-                                      <p:tavLst>
-                                        <p:tav tm="0">
-                                          <p:val>
-                                            <p:strVal val="#ppt_y+.1"/>
-                                          </p:val>
-                                        </p:tav>
-                                        <p:tav tm="100000">
-                                          <p:val>
-                                            <p:strVal val="#ppt_y"/>
-                                          </p:val>
-                                        </p:tav>
-                                      </p:tavLst>
-                                    </p:anim>
-                                  </p:childTnLst>
-                                </p:cTn>
-                              </p:par>
-                            </p:childTnLst>
-                          </p:cTn>
-                        </p:par>
-                      </p:childTnLst>
-                    </p:cTn>
-                  </p:par>
-                  <p:par>
-                    <p:cTn id="31" fill="hold">
-                      <p:stCondLst>
-                        <p:cond delay="indefinite"/>
-                      </p:stCondLst>
-                      <p:childTnLst>
-                        <p:par>
-                          <p:cTn id="32" fill="hold">
-                            <p:stCondLst>
-                              <p:cond delay="0"/>
-                            </p:stCondLst>
-                            <p:childTnLst>
-                              <p:par>
-                                <p:cTn id="33" presetID="42" presetClass="entr" presetSubtype="0" fill="hold" grpId="0" nodeType="clickEffect">
-                                  <p:stCondLst>
-                                    <p:cond delay="0"/>
-                                  </p:stCondLst>
-                                  <p:childTnLst>
-                                    <p:set>
-                                      <p:cBhvr>
-                                        <p:cTn id="34" dur="1" fill="hold">
-                                          <p:stCondLst>
-                                            <p:cond delay="0"/>
-                                          </p:stCondLst>
-                                        </p:cTn>
-                                        <p:tgtEl>
-                                          <p:spTgt spid="3">
-                                            <p:txEl>
-                                              <p:pRg st="4" end="4"/>
-                                            </p:txEl>
-                                          </p:spTgt>
-                                        </p:tgtEl>
-                                        <p:attrNameLst>
-                                          <p:attrName>style.visibility</p:attrName>
-                                        </p:attrNameLst>
-                                      </p:cBhvr>
-                                      <p:to>
-                                        <p:strVal val="visible"/>
-                                      </p:to>
-                                    </p:set>
-                                    <p:animEffect transition="in" filter="fade">
-                                      <p:cBhvr>
-                                        <p:cTn id="35" dur="1000"/>
-                                        <p:tgtEl>
-                                          <p:spTgt spid="3">
-                                            <p:txEl>
-                                              <p:pRg st="4" end="4"/>
-                                            </p:txEl>
-                                          </p:spTgt>
-                                        </p:tgtEl>
-                                      </p:cBhvr>
-                                    </p:animEffect>
-                                    <p:anim calcmode="lin" valueType="num">
-                                      <p:cBhvr>
-                                        <p:cTn id="36" dur="1000" fill="hold"/>
-                                        <p:tgtEl>
-                                          <p:spTgt spid="3">
-                                            <p:txEl>
-                                              <p:pRg st="4" end="4"/>
-                                            </p:txEl>
-                                          </p:spTgt>
-                                        </p:tgtEl>
-                                        <p:attrNameLst>
-                                          <p:attrName>ppt_x</p:attrName>
-                                        </p:attrNameLst>
-                                      </p:cBhvr>
-                                      <p:tavLst>
-                                        <p:tav tm="0">
-                                          <p:val>
-                                            <p:strVal val="#ppt_x"/>
-                                          </p:val>
-                                        </p:tav>
-                                        <p:tav tm="100000">
-                                          <p:val>
-                                            <p:strVal val="#ppt_x"/>
-                                          </p:val>
-                                        </p:tav>
-                                      </p:tavLst>
-                                    </p:anim>
-                                    <p:anim calcmode="lin" valueType="num">
-                                      <p:cBhvr>
-                                        <p:cTn id="37" dur="1000" fill="hold"/>
-                                        <p:tgtEl>
-                                          <p:spTgt spid="3">
-                                            <p:txEl>
-                                              <p:pRg st="4" end="4"/>
-                                            </p:txEl>
-                                          </p:spTgt>
-                                        </p:tgtEl>
-                                        <p:attrNameLst>
-                                          <p:attrName>ppt_y</p:attrName>
-                                        </p:attrNameLst>
-                                      </p:cBhvr>
-                                      <p:tavLst>
-                                        <p:tav tm="0">
-                                          <p:val>
-                                            <p:strVal val="#ppt_y+.1"/>
-                                          </p:val>
-                                        </p:tav>
-                                        <p:tav tm="100000">
-                                          <p:val>
-                                            <p:strVal val="#ppt_y"/>
-                                          </p:val>
-                                        </p:tav>
-                                      </p:tavLst>
-                                    </p:anim>
-                                  </p:childTnLst>
-                                </p:cTn>
-                              </p:par>
-                            </p:childTnLst>
-                          </p:cTn>
-                        </p:par>
-                      </p:childTnLst>
-                    </p:cTn>
-                  </p:par>
-                  <p:par>
-                    <p:cTn id="38" fill="hold">
-                      <p:stCondLst>
-                        <p:cond delay="indefinite"/>
-                      </p:stCondLst>
-                      <p:childTnLst>
-                        <p:par>
-                          <p:cTn id="39" fill="hold">
-                            <p:stCondLst>
-                              <p:cond delay="0"/>
-                            </p:stCondLst>
-                            <p:childTnLst>
-                              <p:par>
-                                <p:cTn id="40" presetID="42" presetClass="entr" presetSubtype="0" fill="hold" grpId="0" nodeType="clickEffect">
-                                  <p:stCondLst>
-                                    <p:cond delay="0"/>
-                                  </p:stCondLst>
-                                  <p:childTnLst>
-                                    <p:set>
-                                      <p:cBhvr>
-                                        <p:cTn id="41" dur="1" fill="hold">
-                                          <p:stCondLst>
-                                            <p:cond delay="0"/>
-                                          </p:stCondLst>
-                                        </p:cTn>
-                                        <p:tgtEl>
-                                          <p:spTgt spid="3">
-                                            <p:txEl>
-                                              <p:pRg st="5" end="5"/>
-                                            </p:txEl>
-                                          </p:spTgt>
-                                        </p:tgtEl>
-                                        <p:attrNameLst>
-                                          <p:attrName>style.visibility</p:attrName>
-                                        </p:attrNameLst>
-                                      </p:cBhvr>
-                                      <p:to>
-                                        <p:strVal val="visible"/>
-                                      </p:to>
-                                    </p:set>
-                                    <p:animEffect transition="in" filter="fade">
-                                      <p:cBhvr>
-                                        <p:cTn id="42" dur="1000"/>
-                                        <p:tgtEl>
-                                          <p:spTgt spid="3">
-                                            <p:txEl>
-                                              <p:pRg st="5" end="5"/>
-                                            </p:txEl>
-                                          </p:spTgt>
-                                        </p:tgtEl>
-                                      </p:cBhvr>
-                                    </p:animEffect>
-                                    <p:anim calcmode="lin" valueType="num">
-                                      <p:cBhvr>
-                                        <p:cTn id="43" dur="1000" fill="hold"/>
-                                        <p:tgtEl>
-                                          <p:spTgt spid="3">
-                                            <p:txEl>
-                                              <p:pRg st="5" end="5"/>
-                                            </p:txEl>
-                                          </p:spTgt>
-                                        </p:tgtEl>
-                                        <p:attrNameLst>
-                                          <p:attrName>ppt_x</p:attrName>
-                                        </p:attrNameLst>
-                                      </p:cBhvr>
-                                      <p:tavLst>
-                                        <p:tav tm="0">
-                                          <p:val>
-                                            <p:strVal val="#ppt_x"/>
-                                          </p:val>
-                                        </p:tav>
-                                        <p:tav tm="100000">
-                                          <p:val>
-                                            <p:strVal val="#ppt_x"/>
-                                          </p:val>
-                                        </p:tav>
-                                      </p:tavLst>
-                                    </p:anim>
-                                    <p:anim calcmode="lin" valueType="num">
-                                      <p:cBhvr>
-                                        <p:cTn id="44" dur="1000" fill="hold"/>
-                                        <p:tgtEl>
-                                          <p:spTgt spid="3">
-                                            <p:txEl>
-                                              <p:pRg st="5" end="5"/>
-                                            </p:txEl>
-                                          </p:spTgt>
-                                        </p:tgtEl>
-                                        <p:attrNameLst>
-                                          <p:attrName>ppt_y</p:attrName>
-                                        </p:attrNameLst>
-                                      </p:cBhvr>
-                                      <p:tavLst>
-                                        <p:tav tm="0">
-                                          <p:val>
-                                            <p:strVal val="#ppt_y+.1"/>
-                                          </p:val>
-                                        </p:tav>
-                                        <p:tav tm="100000">
-                                          <p:val>
-                                            <p:strVal val="#ppt_y"/>
-                                          </p:val>
-                                        </p:tav>
-                                      </p:tavLst>
-                                    </p:anim>
-                                  </p:childTnLst>
-                                </p:cTn>
-                              </p:par>
-                            </p:childTnLst>
-                          </p:cTn>
-                        </p:par>
-                      </p:childTnLst>
-                    </p:cTn>
-                  </p:par>
-                  <p:par>
-                    <p:cTn id="45" fill="hold">
-                      <p:stCondLst>
-                        <p:cond delay="indefinite"/>
-                      </p:stCondLst>
-                      <p:childTnLst>
-                        <p:par>
-                          <p:cTn id="46" fill="hold">
-                            <p:stCondLst>
-                              <p:cond delay="0"/>
-                            </p:stCondLst>
-                            <p:childTnLst>
-                              <p:par>
-                                <p:cTn id="47" presetID="42" presetClass="entr" presetSubtype="0" fill="hold" grpId="0" nodeType="clickEffect">
-                                  <p:stCondLst>
-                                    <p:cond delay="0"/>
-                                  </p:stCondLst>
-                                  <p:childTnLst>
-                                    <p:set>
-                                      <p:cBhvr>
-                                        <p:cTn id="48" dur="1" fill="hold">
-                                          <p:stCondLst>
-                                            <p:cond delay="0"/>
-                                          </p:stCondLst>
-                                        </p:cTn>
-                                        <p:tgtEl>
-                                          <p:spTgt spid="3">
-                                            <p:txEl>
-                                              <p:pRg st="6" end="6"/>
-                                            </p:txEl>
-                                          </p:spTgt>
-                                        </p:tgtEl>
-                                        <p:attrNameLst>
-                                          <p:attrName>style.visibility</p:attrName>
-                                        </p:attrNameLst>
-                                      </p:cBhvr>
-                                      <p:to>
-                                        <p:strVal val="visible"/>
-                                      </p:to>
-                                    </p:set>
-                                    <p:animEffect transition="in" filter="fade">
-                                      <p:cBhvr>
-                                        <p:cTn id="49" dur="1000"/>
-                                        <p:tgtEl>
-                                          <p:spTgt spid="3">
-                                            <p:txEl>
-                                              <p:pRg st="6" end="6"/>
-                                            </p:txEl>
-                                          </p:spTgt>
-                                        </p:tgtEl>
-                                      </p:cBhvr>
-                                    </p:animEffect>
-                                    <p:anim calcmode="lin" valueType="num">
-                                      <p:cBhvr>
-                                        <p:cTn id="50" dur="1000" fill="hold"/>
-                                        <p:tgtEl>
-                                          <p:spTgt spid="3">
-                                            <p:txEl>
-                                              <p:pRg st="6" end="6"/>
-                                            </p:txEl>
-                                          </p:spTgt>
-                                        </p:tgtEl>
-                                        <p:attrNameLst>
-                                          <p:attrName>ppt_x</p:attrName>
-                                        </p:attrNameLst>
-                                      </p:cBhvr>
-                                      <p:tavLst>
-                                        <p:tav tm="0">
-                                          <p:val>
-                                            <p:strVal val="#ppt_x"/>
-                                          </p:val>
-                                        </p:tav>
-                                        <p:tav tm="100000">
-                                          <p:val>
-                                            <p:strVal val="#ppt_x"/>
-                                          </p:val>
-                                        </p:tav>
-                                      </p:tavLst>
-                                    </p:anim>
-                                    <p:anim calcmode="lin" valueType="num">
-                                      <p:cBhvr>
-                                        <p:cTn id="51" dur="1000" fill="hold"/>
-                                        <p:tgtEl>
-                                          <p:spTgt spid="3">
-                                            <p:txEl>
-                                              <p:pRg st="6" end="6"/>
                                             </p:txEl>
                                           </p:spTgt>
                                         </p:tgtEl>
